--- a/session-5-engineering/session-5-engineering.pptx
+++ b/session-5-engineering/session-5-engineering.pptx
@@ -18,19 +18,22 @@
     <p:sldId id="287" r:id="rId12"/>
     <p:sldId id="290" r:id="rId13"/>
     <p:sldId id="303" r:id="rId14"/>
-    <p:sldId id="289" r:id="rId15"/>
-    <p:sldId id="291" r:id="rId16"/>
-    <p:sldId id="292" r:id="rId17"/>
-    <p:sldId id="293" r:id="rId18"/>
-    <p:sldId id="295" r:id="rId19"/>
-    <p:sldId id="296" r:id="rId20"/>
-    <p:sldId id="302" r:id="rId21"/>
-    <p:sldId id="297" r:id="rId22"/>
-    <p:sldId id="299" r:id="rId23"/>
-    <p:sldId id="298" r:id="rId24"/>
-    <p:sldId id="304" r:id="rId25"/>
-    <p:sldId id="301" r:id="rId26"/>
-    <p:sldId id="300" r:id="rId27"/>
+    <p:sldId id="305" r:id="rId15"/>
+    <p:sldId id="289" r:id="rId16"/>
+    <p:sldId id="291" r:id="rId17"/>
+    <p:sldId id="292" r:id="rId18"/>
+    <p:sldId id="293" r:id="rId19"/>
+    <p:sldId id="295" r:id="rId20"/>
+    <p:sldId id="296" r:id="rId21"/>
+    <p:sldId id="302" r:id="rId22"/>
+    <p:sldId id="306" r:id="rId23"/>
+    <p:sldId id="304" r:id="rId24"/>
+    <p:sldId id="297" r:id="rId25"/>
+    <p:sldId id="299" r:id="rId26"/>
+    <p:sldId id="307" r:id="rId27"/>
+    <p:sldId id="298" r:id="rId28"/>
+    <p:sldId id="301" r:id="rId29"/>
+    <p:sldId id="300" r:id="rId30"/>
   </p:sldIdLst>
   <p:sldSz cx="9144000" cy="6858000" type="screen4x3"/>
   <p:notesSz cx="6858000" cy="9144000"/>
@@ -327,7 +330,7 @@
           <a:p>
             <a:fld id="{FED704DD-ECE8-4EBA-89AC-54C15DA6AD2B}" type="datetimeFigureOut">
               <a:rPr lang="en-US" smtClean="0"/>
-              <a:t>3/21/2023</a:t>
+              <a:t>3/22/2023</a:t>
             </a:fld>
             <a:endParaRPr lang="en-US"/>
           </a:p>
@@ -495,7 +498,7 @@
           <a:p>
             <a:fld id="{FED704DD-ECE8-4EBA-89AC-54C15DA6AD2B}" type="datetimeFigureOut">
               <a:rPr lang="en-US" smtClean="0"/>
-              <a:t>3/21/2023</a:t>
+              <a:t>3/22/2023</a:t>
             </a:fld>
             <a:endParaRPr lang="en-US"/>
           </a:p>
@@ -673,7 +676,7 @@
           <a:p>
             <a:fld id="{FED704DD-ECE8-4EBA-89AC-54C15DA6AD2B}" type="datetimeFigureOut">
               <a:rPr lang="en-US" smtClean="0"/>
-              <a:t>3/21/2023</a:t>
+              <a:t>3/22/2023</a:t>
             </a:fld>
             <a:endParaRPr lang="en-US"/>
           </a:p>
@@ -841,7 +844,7 @@
           <a:p>
             <a:fld id="{FED704DD-ECE8-4EBA-89AC-54C15DA6AD2B}" type="datetimeFigureOut">
               <a:rPr lang="en-US" smtClean="0"/>
-              <a:t>3/21/2023</a:t>
+              <a:t>3/22/2023</a:t>
             </a:fld>
             <a:endParaRPr lang="en-US"/>
           </a:p>
@@ -1086,7 +1089,7 @@
           <a:p>
             <a:fld id="{FED704DD-ECE8-4EBA-89AC-54C15DA6AD2B}" type="datetimeFigureOut">
               <a:rPr lang="en-US" smtClean="0"/>
-              <a:t>3/21/2023</a:t>
+              <a:t>3/22/2023</a:t>
             </a:fld>
             <a:endParaRPr lang="en-US"/>
           </a:p>
@@ -1371,7 +1374,7 @@
           <a:p>
             <a:fld id="{FED704DD-ECE8-4EBA-89AC-54C15DA6AD2B}" type="datetimeFigureOut">
               <a:rPr lang="en-US" smtClean="0"/>
-              <a:t>3/21/2023</a:t>
+              <a:t>3/22/2023</a:t>
             </a:fld>
             <a:endParaRPr lang="en-US"/>
           </a:p>
@@ -1790,7 +1793,7 @@
           <a:p>
             <a:fld id="{FED704DD-ECE8-4EBA-89AC-54C15DA6AD2B}" type="datetimeFigureOut">
               <a:rPr lang="en-US" smtClean="0"/>
-              <a:t>3/21/2023</a:t>
+              <a:t>3/22/2023</a:t>
             </a:fld>
             <a:endParaRPr lang="en-US"/>
           </a:p>
@@ -1907,7 +1910,7 @@
           <a:p>
             <a:fld id="{FED704DD-ECE8-4EBA-89AC-54C15DA6AD2B}" type="datetimeFigureOut">
               <a:rPr lang="en-US" smtClean="0"/>
-              <a:t>3/21/2023</a:t>
+              <a:t>3/22/2023</a:t>
             </a:fld>
             <a:endParaRPr lang="en-US"/>
           </a:p>
@@ -2002,7 +2005,7 @@
           <a:p>
             <a:fld id="{FED704DD-ECE8-4EBA-89AC-54C15DA6AD2B}" type="datetimeFigureOut">
               <a:rPr lang="en-US" smtClean="0"/>
-              <a:t>3/21/2023</a:t>
+              <a:t>3/22/2023</a:t>
             </a:fld>
             <a:endParaRPr lang="en-US"/>
           </a:p>
@@ -2277,7 +2280,7 @@
           <a:p>
             <a:fld id="{FED704DD-ECE8-4EBA-89AC-54C15DA6AD2B}" type="datetimeFigureOut">
               <a:rPr lang="en-US" smtClean="0"/>
-              <a:t>3/21/2023</a:t>
+              <a:t>3/22/2023</a:t>
             </a:fld>
             <a:endParaRPr lang="en-US"/>
           </a:p>
@@ -2529,7 +2532,7 @@
           <a:p>
             <a:fld id="{FED704DD-ECE8-4EBA-89AC-54C15DA6AD2B}" type="datetimeFigureOut">
               <a:rPr lang="en-US" smtClean="0"/>
-              <a:t>3/21/2023</a:t>
+              <a:t>3/22/2023</a:t>
             </a:fld>
             <a:endParaRPr lang="en-US"/>
           </a:p>
@@ -2740,7 +2743,7 @@
           <a:p>
             <a:fld id="{FED704DD-ECE8-4EBA-89AC-54C15DA6AD2B}" type="datetimeFigureOut">
               <a:rPr lang="en-US" smtClean="0"/>
-              <a:t>3/21/2023</a:t>
+              <a:t>3/22/2023</a:t>
             </a:fld>
             <a:endParaRPr lang="en-US"/>
           </a:p>
@@ -3173,11 +3176,28 @@
             <a:endParaRPr lang="en-US" dirty="0"/>
           </a:p>
           <a:p>
-            <a:pPr lvl="1">
-              <a:buFontTx/>
-              <a:buChar char="-"/>
-            </a:pPr>
-            <a:endParaRPr lang="en-US" dirty="0"/>
+            <a:pPr marL="0" indent="0">
+              <a:buNone/>
+            </a:pPr>
+            <a:r>
+              <a:rPr lang="en-US" sz="2800" dirty="0"/>
+              <a:t>Download the Session 5 file from </a:t>
+            </a:r>
+            <a:r>
+              <a:rPr lang="en-US" sz="2800" dirty="0" err="1"/>
+              <a:t>github</a:t>
+            </a:r>
+            <a:r>
+              <a:rPr lang="en-US" sz="2800" dirty="0"/>
+              <a:t>: </a:t>
+            </a:r>
+            <a:r>
+              <a:rPr lang="en-US" sz="2800" dirty="0">
+                <a:hlinkClick r:id="rId2"/>
+              </a:rPr>
+              <a:t>https://github.com/jtannen/r-for-datascience/session-5-engineering </a:t>
+            </a:r>
+            <a:endParaRPr lang="en-US" sz="2800" dirty="0"/>
           </a:p>
         </p:txBody>
       </p:sp>
@@ -4371,28 +4391,93 @@
               <a:buNone/>
             </a:pPr>
             <a:r>
-              <a:rPr lang="en-US" sz="2000" dirty="0" err="1"/>
+              <a:rPr lang="en-US" sz="2000" dirty="0" err="1">
+                <a:latin typeface="Consolas" panose="020B0609020204030204" pitchFamily="49" charset="0"/>
+              </a:rPr>
               <a:t>scale_to_range</a:t>
             </a:r>
             <a:r>
-              <a:rPr lang="en-US" sz="2000" dirty="0"/>
-              <a:t> &lt;- function(x, upper, lower=0, </a:t>
-            </a:r>
-            <a:r>
-              <a:rPr lang="en-US" sz="2000" dirty="0" err="1"/>
+              <a:rPr lang="en-US" sz="2000" dirty="0">
+                <a:latin typeface="Consolas" panose="020B0609020204030204" pitchFamily="49" charset="0"/>
+              </a:rPr>
+              <a:t> &lt;- function(</a:t>
+            </a:r>
+          </a:p>
+          <a:p>
+            <a:pPr marL="0" indent="0">
+              <a:buNone/>
+            </a:pPr>
+            <a:r>
+              <a:rPr lang="en-US" sz="2000" dirty="0">
+                <a:latin typeface="Consolas" panose="020B0609020204030204" pitchFamily="49" charset="0"/>
+              </a:rPr>
+              <a:t>	x, </a:t>
+            </a:r>
+          </a:p>
+          <a:p>
+            <a:pPr marL="0" indent="0">
+              <a:buNone/>
+            </a:pPr>
+            <a:r>
+              <a:rPr lang="en-US" sz="2000" dirty="0">
+                <a:latin typeface="Consolas" panose="020B0609020204030204" pitchFamily="49" charset="0"/>
+              </a:rPr>
+              <a:t>	upper, </a:t>
+            </a:r>
+          </a:p>
+          <a:p>
+            <a:pPr marL="0" indent="0">
+              <a:buNone/>
+            </a:pPr>
+            <a:r>
+              <a:rPr lang="en-US" sz="2000" dirty="0">
+                <a:latin typeface="Consolas" panose="020B0609020204030204" pitchFamily="49" charset="0"/>
+              </a:rPr>
+              <a:t>	lower=0, </a:t>
+            </a:r>
+          </a:p>
+          <a:p>
+            <a:pPr marL="0" indent="0">
+              <a:buNone/>
+            </a:pPr>
+            <a:r>
+              <a:rPr lang="en-US" sz="2000" dirty="0">
+                <a:latin typeface="Consolas" panose="020B0609020204030204" pitchFamily="49" charset="0"/>
+              </a:rPr>
+              <a:t>	</a:t>
+            </a:r>
+            <a:r>
+              <a:rPr lang="en-US" sz="2000" dirty="0" err="1">
+                <a:latin typeface="Consolas" panose="020B0609020204030204" pitchFamily="49" charset="0"/>
+              </a:rPr>
               <a:t>bounds_error</a:t>
             </a:r>
             <a:r>
-              <a:rPr lang="en-US" sz="2000" dirty="0"/>
-              <a:t>=TRUE){</a:t>
-            </a:r>
-          </a:p>
-          <a:p>
-            <a:pPr marL="0" indent="0">
-              <a:buNone/>
-            </a:pPr>
-            <a:r>
-              <a:rPr lang="en-US" sz="2000" dirty="0"/>
+              <a:rPr lang="en-US" sz="2000" dirty="0">
+                <a:latin typeface="Consolas" panose="020B0609020204030204" pitchFamily="49" charset="0"/>
+              </a:rPr>
+              <a:t>=TRUE</a:t>
+            </a:r>
+          </a:p>
+          <a:p>
+            <a:pPr marL="0" indent="0">
+              <a:buNone/>
+            </a:pPr>
+            <a:r>
+              <a:rPr lang="en-US" sz="2000" dirty="0">
+                <a:latin typeface="Consolas" panose="020B0609020204030204" pitchFamily="49" charset="0"/>
+              </a:rPr>
+              <a:t>){</a:t>
+            </a:r>
+          </a:p>
+          <a:p>
+            <a:pPr marL="0" indent="0">
+              <a:buNone/>
+            </a:pPr>
+            <a:r>
+              <a:rPr lang="en-US" sz="2000" dirty="0">
+                <a:latin typeface="Consolas" panose="020B0609020204030204" pitchFamily="49" charset="0"/>
+              </a:rPr>
               <a:t>	res &lt;- (x – lower) / (upper-lower)</a:t>
             </a:r>
           </a:p>
@@ -4401,15 +4486,21 @@
               <a:buNone/>
             </a:pPr>
             <a:r>
-              <a:rPr lang="en-US" sz="2000" dirty="0"/>
+              <a:rPr lang="en-US" sz="2000" dirty="0">
+                <a:latin typeface="Consolas" panose="020B0609020204030204" pitchFamily="49" charset="0"/>
+              </a:rPr>
               <a:t>	if(</a:t>
             </a:r>
             <a:r>
-              <a:rPr lang="en-US" sz="2000" dirty="0" err="1"/>
+              <a:rPr lang="en-US" sz="2000" dirty="0" err="1">
+                <a:latin typeface="Consolas" panose="020B0609020204030204" pitchFamily="49" charset="0"/>
+              </a:rPr>
               <a:t>bounds_error</a:t>
             </a:r>
             <a:r>
-              <a:rPr lang="en-US" sz="2000" dirty="0"/>
+              <a:rPr lang="en-US" sz="2000" dirty="0">
+                <a:latin typeface="Consolas" panose="020B0609020204030204" pitchFamily="49" charset="0"/>
+              </a:rPr>
               <a:t>){</a:t>
             </a:r>
           </a:p>
@@ -4418,43 +4509,20 @@
               <a:buNone/>
             </a:pPr>
             <a:r>
-              <a:rPr lang="en-US" sz="2000" dirty="0"/>
-              <a:t>		if(res &gt; 1| res &lt; 0){</a:t>
-            </a:r>
-          </a:p>
-          <a:p>
-            <a:pPr marL="0" indent="0">
-              <a:buNone/>
-            </a:pPr>
-            <a:r>
-              <a:rPr lang="en-US" sz="2000" dirty="0"/>
-              <a:t>			stop(“Bad values!”)</a:t>
-            </a:r>
-          </a:p>
-          <a:p>
-            <a:pPr marL="0" indent="0">
-              <a:buNone/>
-            </a:pPr>
-            <a:r>
-              <a:rPr lang="en-US" sz="2000" dirty="0"/>
-              <a:t>		}</a:t>
-            </a:r>
-          </a:p>
-          <a:p>
-            <a:pPr marL="0" indent="0">
-              <a:buNone/>
-            </a:pPr>
-            <a:r>
-              <a:rPr lang="en-US" sz="2000" dirty="0"/>
-              <a:t>	}</a:t>
-            </a:r>
-          </a:p>
-          <a:p>
-            <a:pPr marL="0" indent="0">
-              <a:buNone/>
-            </a:pPr>
-            <a:r>
-              <a:rPr lang="en-US" sz="2000" dirty="0"/>
+              <a:rPr lang="en-US" sz="2000" dirty="0">
+                <a:latin typeface="Consolas" panose="020B0609020204030204" pitchFamily="49" charset="0"/>
+              </a:rPr>
+              <a:t>	  if(any(res &gt; 1 | res &lt; 0)) stop("Bad values!")	}</a:t>
+            </a:r>
+          </a:p>
+          <a:p>
+            <a:pPr marL="0" indent="0">
+              <a:buNone/>
+            </a:pPr>
+            <a:r>
+              <a:rPr lang="en-US" sz="2000" dirty="0">
+                <a:latin typeface="Consolas" panose="020B0609020204030204" pitchFamily="49" charset="0"/>
+              </a:rPr>
               <a:t>	return(res)	 </a:t>
             </a:r>
           </a:p>
@@ -4463,7 +4531,9 @@
               <a:buNone/>
             </a:pPr>
             <a:r>
-              <a:rPr lang="en-US" sz="2000" dirty="0"/>
+              <a:rPr lang="en-US" sz="2000" dirty="0">
+                <a:latin typeface="Consolas" panose="020B0609020204030204" pitchFamily="49" charset="0"/>
+              </a:rPr>
               <a:t>}</a:t>
             </a:r>
           </a:p>
@@ -4504,7 +4574,7 @@
           <p:cNvPr id="2" name="Title 1">
             <a:extLst>
               <a:ext uri="{FF2B5EF4-FFF2-40B4-BE49-F238E27FC236}">
-                <a16:creationId xmlns:a16="http://schemas.microsoft.com/office/drawing/2014/main" id="{773F1545-107E-7B01-3043-3D133E845307}"/>
+                <a16:creationId xmlns:a16="http://schemas.microsoft.com/office/drawing/2014/main" id="{CEE0E5C5-61CB-8485-82BA-E36C67BB9178}"/>
               </a:ext>
             </a:extLst>
           </p:cNvPr>
@@ -4522,7 +4592,7 @@
           <a:p>
             <a:r>
               <a:rPr lang="en-US" dirty="0"/>
-              <a:t>Data reused in multiple places</a:t>
+              <a:t>Naming</a:t>
             </a:r>
           </a:p>
         </p:txBody>
@@ -4532,7 +4602,7 @@
           <p:cNvPr id="3" name="Content Placeholder 2">
             <a:extLst>
               <a:ext uri="{FF2B5EF4-FFF2-40B4-BE49-F238E27FC236}">
-                <a16:creationId xmlns:a16="http://schemas.microsoft.com/office/drawing/2014/main" id="{D7CD9CEA-B5BE-3AE5-A7AE-CFD63F88CDBA}"/>
+                <a16:creationId xmlns:a16="http://schemas.microsoft.com/office/drawing/2014/main" id="{579CB7AD-123B-1CE2-0F29-616F0641B3CE}"/>
               </a:ext>
             </a:extLst>
           </p:cNvPr>
@@ -4545,255 +4615,104 @@
         </p:nvSpPr>
         <p:spPr/>
         <p:txBody>
-          <a:bodyPr>
-            <a:normAutofit fontScale="92500" lnSpcReduction="10000"/>
-          </a:bodyPr>
-          <a:lstStyle/>
-          <a:p>
-            <a:pPr marL="0" indent="0">
-              <a:buNone/>
-            </a:pPr>
-            <a:r>
-              <a:rPr lang="en-US" sz="2000" dirty="0" err="1">
-                <a:latin typeface="Consolas" panose="020B0609020204030204" pitchFamily="49" charset="0"/>
-              </a:rPr>
-              <a:t>df</a:t>
-            </a:r>
-            <a:r>
-              <a:rPr lang="en-US" sz="2000" dirty="0">
-                <a:latin typeface="Consolas" panose="020B0609020204030204" pitchFamily="49" charset="0"/>
-              </a:rPr>
-              <a:t> &lt;- read.csv(</a:t>
-            </a:r>
-          </a:p>
-          <a:p>
-            <a:pPr marL="0" indent="0">
-              <a:buNone/>
-            </a:pPr>
-            <a:r>
-              <a:rPr lang="en-US" sz="2000" dirty="0">
-                <a:latin typeface="Consolas" panose="020B0609020204030204" pitchFamily="49" charset="0"/>
-              </a:rPr>
-              <a:t>  "C:/Users/Jonathan/papers/data/data_2000.csv"</a:t>
-            </a:r>
-          </a:p>
-          <a:p>
-            <a:pPr marL="0" indent="0">
-              <a:buNone/>
-            </a:pPr>
-            <a:r>
-              <a:rPr lang="en-US" sz="2000" dirty="0">
-                <a:latin typeface="Consolas" panose="020B0609020204030204" pitchFamily="49" charset="0"/>
-              </a:rPr>
-              <a:t>)</a:t>
-            </a:r>
-          </a:p>
-          <a:p>
-            <a:pPr marL="0" indent="0">
-              <a:buNone/>
-            </a:pPr>
-            <a:r>
-              <a:rPr lang="en-US" sz="2000" dirty="0" err="1">
-                <a:latin typeface="Consolas" panose="020B0609020204030204" pitchFamily="49" charset="0"/>
-              </a:rPr>
-              <a:t>election_metadata</a:t>
-            </a:r>
-            <a:r>
-              <a:rPr lang="en-US" sz="2000" dirty="0">
-                <a:latin typeface="Consolas" panose="020B0609020204030204" pitchFamily="49" charset="0"/>
-              </a:rPr>
-              <a:t> &lt;- read.csv(</a:t>
-            </a:r>
-          </a:p>
-          <a:p>
-            <a:pPr marL="0" indent="0">
-              <a:buNone/>
-            </a:pPr>
-            <a:r>
-              <a:rPr lang="en-US" sz="2000" dirty="0">
-                <a:latin typeface="Consolas" panose="020B0609020204030204" pitchFamily="49" charset="0"/>
-              </a:rPr>
-              <a:t>  "C:/Users/Jonathan/papers/data/elections.csv"</a:t>
-            </a:r>
-          </a:p>
-          <a:p>
-            <a:pPr marL="0" indent="0">
-              <a:buNone/>
-            </a:pPr>
-            <a:r>
-              <a:rPr lang="en-US" sz="2000" dirty="0">
-                <a:latin typeface="Consolas" panose="020B0609020204030204" pitchFamily="49" charset="0"/>
-              </a:rPr>
-              <a:t>)</a:t>
-            </a:r>
-          </a:p>
-          <a:p>
-            <a:pPr marL="0" indent="0">
-              <a:buNone/>
-            </a:pPr>
-            <a:r>
-              <a:rPr lang="en-US" sz="2000" dirty="0">
-                <a:latin typeface="Consolas" panose="020B0609020204030204" pitchFamily="49" charset="0"/>
-              </a:rPr>
-              <a:t>candidates &lt;- read.csv(</a:t>
-            </a:r>
-          </a:p>
-          <a:p>
-            <a:pPr marL="0" indent="0">
-              <a:buNone/>
-            </a:pPr>
-            <a:r>
-              <a:rPr lang="en-US" sz="2000" dirty="0">
-                <a:latin typeface="Consolas" panose="020B0609020204030204" pitchFamily="49" charset="0"/>
-              </a:rPr>
-              <a:t>  "C:/Users/Jonathan/papers/data/candidates.csv"</a:t>
-            </a:r>
-          </a:p>
-          <a:p>
-            <a:pPr marL="0" indent="0">
-              <a:buNone/>
-            </a:pPr>
-            <a:r>
-              <a:rPr lang="en-US" sz="2000" dirty="0">
-                <a:latin typeface="Consolas" panose="020B0609020204030204" pitchFamily="49" charset="0"/>
-              </a:rPr>
-              <a:t>)</a:t>
-            </a:r>
-          </a:p>
-          <a:p>
-            <a:pPr marL="0" indent="0">
-              <a:buNone/>
-            </a:pPr>
-            <a:endParaRPr lang="en-US" sz="2000" dirty="0">
-              <a:latin typeface="Consolas" panose="020B0609020204030204" pitchFamily="49" charset="0"/>
+          <a:bodyPr/>
+          <a:lstStyle/>
+          <a:p>
+            <a:pPr marL="0" indent="0" algn="l" fontAlgn="base">
+              <a:buNone/>
+            </a:pPr>
+            <a:r>
+              <a:rPr lang="en-US" sz="2800" b="0" i="1" dirty="0">
+                <a:solidFill>
+                  <a:srgbClr val="303633"/>
+                </a:solidFill>
+                <a:effectLst/>
+                <a:latin typeface="+mj-lt"/>
+              </a:rPr>
+              <a:t>“There are only two hard things in Computer Science: cache invalidation and naming things.” -- Phil </a:t>
+            </a:r>
+            <a:r>
+              <a:rPr lang="en-US" sz="2800" b="0" i="1" dirty="0" err="1">
+                <a:solidFill>
+                  <a:srgbClr val="303633"/>
+                </a:solidFill>
+                <a:effectLst/>
+                <a:latin typeface="+mj-lt"/>
+              </a:rPr>
+              <a:t>Karlton</a:t>
+            </a:r>
+            <a:endParaRPr lang="en-US" sz="2800" b="0" i="1" dirty="0">
+              <a:solidFill>
+                <a:srgbClr val="303633"/>
+              </a:solidFill>
+              <a:effectLst/>
+              <a:latin typeface="+mj-lt"/>
             </a:endParaRPr>
           </a:p>
           <a:p>
             <a:pPr marL="0" indent="0">
               <a:buNone/>
             </a:pPr>
-            <a:r>
-              <a:rPr lang="en-US" sz="2000" dirty="0" err="1">
-                <a:latin typeface="Consolas" panose="020B0609020204030204" pitchFamily="49" charset="0"/>
-              </a:rPr>
-              <a:t>df$is_last_four_elections</a:t>
-            </a:r>
-            <a:r>
-              <a:rPr lang="en-US" sz="2000" dirty="0">
-                <a:latin typeface="Consolas" panose="020B0609020204030204" pitchFamily="49" charset="0"/>
-              </a:rPr>
-              <a:t> &lt;- (</a:t>
-            </a:r>
-          </a:p>
-          <a:p>
-            <a:pPr marL="0" indent="0">
-              <a:buNone/>
-            </a:pPr>
-            <a:r>
-              <a:rPr lang="en-US" sz="2000" dirty="0">
-                <a:latin typeface="Consolas" panose="020B0609020204030204" pitchFamily="49" charset="0"/>
-              </a:rPr>
-              <a:t>  </a:t>
-            </a:r>
-            <a:r>
-              <a:rPr lang="en-US" sz="2000" dirty="0" err="1">
-                <a:latin typeface="Consolas" panose="020B0609020204030204" pitchFamily="49" charset="0"/>
-              </a:rPr>
-              <a:t>ymd</a:t>
-            </a:r>
-            <a:r>
-              <a:rPr lang="en-US" sz="2000" dirty="0">
-                <a:latin typeface="Consolas" panose="020B0609020204030204" pitchFamily="49" charset="0"/>
-              </a:rPr>
-              <a:t>("2022-11-08") - </a:t>
-            </a:r>
-            <a:r>
-              <a:rPr lang="en-US" sz="2000" dirty="0" err="1">
-                <a:latin typeface="Consolas" panose="020B0609020204030204" pitchFamily="49" charset="0"/>
-              </a:rPr>
-              <a:t>ymd</a:t>
-            </a:r>
-            <a:r>
-              <a:rPr lang="en-US" sz="2000" dirty="0">
-                <a:latin typeface="Consolas" panose="020B0609020204030204" pitchFamily="49" charset="0"/>
-              </a:rPr>
-              <a:t>(</a:t>
-            </a:r>
-            <a:r>
-              <a:rPr lang="en-US" sz="2000" dirty="0" err="1">
-                <a:latin typeface="Consolas" panose="020B0609020204030204" pitchFamily="49" charset="0"/>
-              </a:rPr>
-              <a:t>df$date</a:t>
-            </a:r>
-            <a:r>
-              <a:rPr lang="en-US" sz="2000" dirty="0">
-                <a:latin typeface="Consolas" panose="020B0609020204030204" pitchFamily="49" charset="0"/>
-              </a:rPr>
-              <a:t>)</a:t>
-            </a:r>
-          </a:p>
-          <a:p>
-            <a:pPr marL="0" indent="0">
-              <a:buNone/>
-            </a:pPr>
-            <a:r>
-              <a:rPr lang="en-US" sz="2000" dirty="0">
-                <a:latin typeface="Consolas" panose="020B0609020204030204" pitchFamily="49" charset="0"/>
-              </a:rPr>
-              <a:t>) &lt;= years(4)</a:t>
-            </a:r>
-          </a:p>
-          <a:p>
-            <a:pPr marL="0" indent="0">
-              <a:buNone/>
-            </a:pPr>
-            <a:r>
-              <a:rPr lang="en-US" sz="2000" dirty="0" err="1">
-                <a:latin typeface="Consolas" panose="020B0609020204030204" pitchFamily="49" charset="0"/>
-              </a:rPr>
-              <a:t>df$age</a:t>
-            </a:r>
-            <a:r>
-              <a:rPr lang="en-US" sz="2000" dirty="0">
-                <a:latin typeface="Consolas" panose="020B0609020204030204" pitchFamily="49" charset="0"/>
-              </a:rPr>
-              <a:t> &lt;- (</a:t>
-            </a:r>
-            <a:r>
-              <a:rPr lang="en-US" sz="2000" dirty="0" err="1">
-                <a:latin typeface="Consolas" panose="020B0609020204030204" pitchFamily="49" charset="0"/>
-              </a:rPr>
-              <a:t>ymd</a:t>
-            </a:r>
-            <a:r>
-              <a:rPr lang="en-US" sz="2000" dirty="0">
-                <a:latin typeface="Consolas" panose="020B0609020204030204" pitchFamily="49" charset="0"/>
-              </a:rPr>
-              <a:t>("2022-11-08") - </a:t>
-            </a:r>
-            <a:r>
-              <a:rPr lang="en-US" sz="2000" dirty="0" err="1">
-                <a:latin typeface="Consolas" panose="020B0609020204030204" pitchFamily="49" charset="0"/>
-              </a:rPr>
-              <a:t>ymd</a:t>
-            </a:r>
-            <a:r>
-              <a:rPr lang="en-US" sz="2000" dirty="0">
-                <a:latin typeface="Consolas" panose="020B0609020204030204" pitchFamily="49" charset="0"/>
-              </a:rPr>
-              <a:t>(</a:t>
-            </a:r>
-            <a:r>
-              <a:rPr lang="en-US" sz="2000" dirty="0" err="1">
-                <a:latin typeface="Consolas" panose="020B0609020204030204" pitchFamily="49" charset="0"/>
-              </a:rPr>
-              <a:t>df$birth_date</a:t>
-            </a:r>
-            <a:r>
-              <a:rPr lang="en-US" sz="2000" dirty="0">
-                <a:latin typeface="Consolas" panose="020B0609020204030204" pitchFamily="49" charset="0"/>
-              </a:rPr>
-              <a:t>))</a:t>
+            <a:endParaRPr lang="en-US" dirty="0"/>
+          </a:p>
+          <a:p>
+            <a:pPr>
+              <a:buFontTx/>
+              <a:buChar char="-"/>
+            </a:pPr>
+            <a:r>
+              <a:rPr lang="en-US" dirty="0"/>
+              <a:t>Use full words.</a:t>
+            </a:r>
+          </a:p>
+          <a:p>
+            <a:pPr>
+              <a:buFontTx/>
+              <a:buChar char="-"/>
+            </a:pPr>
+            <a:r>
+              <a:rPr lang="en-US" dirty="0"/>
+              <a:t>Use </a:t>
+            </a:r>
+            <a:r>
+              <a:rPr lang="en-US" dirty="0" err="1">
+                <a:latin typeface="Consolas" panose="020B0609020204030204" pitchFamily="49" charset="0"/>
+              </a:rPr>
+              <a:t>lower_snake_case</a:t>
+            </a:r>
+            <a:r>
+              <a:rPr lang="en-US" dirty="0"/>
+              <a:t>.</a:t>
+            </a:r>
+          </a:p>
+          <a:p>
+            <a:pPr lvl="1">
+              <a:buFontTx/>
+              <a:buChar char="-"/>
+            </a:pPr>
+            <a:r>
+              <a:rPr lang="en-US" dirty="0"/>
+              <a:t>Not CamelCase</a:t>
+            </a:r>
+          </a:p>
+          <a:p>
+            <a:pPr>
+              <a:buFontTx/>
+              <a:buChar char="-"/>
+            </a:pPr>
+            <a:r>
+              <a:rPr lang="en-US" dirty="0"/>
+              <a:t>For constants use </a:t>
+            </a:r>
+            <a:r>
+              <a:rPr lang="en-US" dirty="0">
+                <a:latin typeface="Consolas" panose="020B0609020204030204" pitchFamily="49" charset="0"/>
+              </a:rPr>
+              <a:t>ALL_CAPS</a:t>
+            </a:r>
+            <a:r>
+              <a:rPr lang="en-US" dirty="0"/>
+              <a:t>.</a:t>
             </a:r>
           </a:p>
         </p:txBody>
@@ -4801,7 +4720,7 @@
     </p:spTree>
     <p:extLst>
       <p:ext uri="{BB962C8B-B14F-4D97-AF65-F5344CB8AC3E}">
-        <p14:creationId xmlns:p14="http://schemas.microsoft.com/office/powerpoint/2010/main" val="2029671469"/>
+        <p14:creationId xmlns:p14="http://schemas.microsoft.com/office/powerpoint/2010/main" val="2323897412"/>
       </p:ext>
     </p:extLst>
   </p:cSld>
@@ -4883,22 +4802,55 @@
               <a:buNone/>
             </a:pPr>
             <a:r>
+              <a:rPr lang="en-US" sz="2000" dirty="0" err="1">
+                <a:latin typeface="Consolas" panose="020B0609020204030204" pitchFamily="49" charset="0"/>
+              </a:rPr>
+              <a:t>df</a:t>
+            </a:r>
+            <a:r>
               <a:rPr lang="en-US" sz="2000" dirty="0">
                 <a:latin typeface="Consolas" panose="020B0609020204030204" pitchFamily="49" charset="0"/>
               </a:rPr>
-              <a:t># could also </a:t>
-            </a:r>
+              <a:t> &lt;- read.csv(</a:t>
+            </a:r>
+          </a:p>
+          <a:p>
+            <a:pPr marL="0" indent="0">
+              <a:buNone/>
+            </a:pPr>
+            <a:r>
+              <a:rPr lang="en-US" sz="2000" dirty="0">
+                <a:latin typeface="Consolas" panose="020B0609020204030204" pitchFamily="49" charset="0"/>
+              </a:rPr>
+              <a:t>  "C:/Users/Jonathan/papers/data/data_2000.csv"</a:t>
+            </a:r>
+          </a:p>
+          <a:p>
+            <a:pPr marL="0" indent="0">
+              <a:buNone/>
+            </a:pPr>
+            <a:r>
+              <a:rPr lang="en-US" sz="2000" dirty="0">
+                <a:latin typeface="Consolas" panose="020B0609020204030204" pitchFamily="49" charset="0"/>
+              </a:rPr>
+              <a:t>)</a:t>
+            </a:r>
+          </a:p>
+          <a:p>
+            <a:pPr marL="0" indent="0">
+              <a:buNone/>
+            </a:pPr>
             <a:r>
               <a:rPr lang="en-US" sz="2000" dirty="0" err="1">
                 <a:latin typeface="Consolas" panose="020B0609020204030204" pitchFamily="49" charset="0"/>
               </a:rPr>
-              <a:t>setwd</a:t>
+              <a:t>election_metadata</a:t>
             </a:r>
             <a:r>
               <a:rPr lang="en-US" sz="2000" dirty="0">
                 <a:latin typeface="Consolas" panose="020B0609020204030204" pitchFamily="49" charset="0"/>
               </a:rPr>
-              <a:t>().</a:t>
+              <a:t> &lt;- read.csv(</a:t>
             </a:r>
           </a:p>
           <a:p>
@@ -4909,7 +4861,7 @@
               <a:rPr lang="en-US" sz="2000" dirty="0">
                 <a:latin typeface="Consolas" panose="020B0609020204030204" pitchFamily="49" charset="0"/>
               </a:rPr>
-              <a:t>DATA_DIR &lt;- "C:/Users/Jonathan/papers/data/" </a:t>
+              <a:t>  "C:/Users/Jonathan/papers/data/elections.csv"</a:t>
             </a:r>
           </a:p>
           <a:p>
@@ -4920,7 +4872,40 @@
               <a:rPr lang="en-US" sz="2000" dirty="0">
                 <a:latin typeface="Consolas" panose="020B0609020204030204" pitchFamily="49" charset="0"/>
               </a:rPr>
-              <a:t>ELECTION_DATE &lt;- "2022-11-08"</a:t>
+              <a:t>)</a:t>
+            </a:r>
+          </a:p>
+          <a:p>
+            <a:pPr marL="0" indent="0">
+              <a:buNone/>
+            </a:pPr>
+            <a:r>
+              <a:rPr lang="en-US" sz="2000" dirty="0">
+                <a:latin typeface="Consolas" panose="020B0609020204030204" pitchFamily="49" charset="0"/>
+              </a:rPr>
+              <a:t>candidates &lt;- read.csv(</a:t>
+            </a:r>
+          </a:p>
+          <a:p>
+            <a:pPr marL="0" indent="0">
+              <a:buNone/>
+            </a:pPr>
+            <a:r>
+              <a:rPr lang="en-US" sz="2000" dirty="0">
+                <a:latin typeface="Consolas" panose="020B0609020204030204" pitchFamily="49" charset="0"/>
+              </a:rPr>
+              <a:t>  "C:/Users/Jonathan/papers/data/candidates.csv"</a:t>
+            </a:r>
+          </a:p>
+          <a:p>
+            <a:pPr marL="0" indent="0">
+              <a:buNone/>
+            </a:pPr>
+            <a:r>
+              <a:rPr lang="en-US" sz="2000" dirty="0">
+                <a:latin typeface="Consolas" panose="020B0609020204030204" pitchFamily="49" charset="0"/>
+              </a:rPr>
+              <a:t>)</a:t>
             </a:r>
           </a:p>
           <a:p>
@@ -4939,47 +4924,55 @@
               <a:rPr lang="en-US" sz="2000" dirty="0" err="1">
                 <a:latin typeface="Consolas" panose="020B0609020204030204" pitchFamily="49" charset="0"/>
               </a:rPr>
-              <a:t>df</a:t>
+              <a:t>df$is_last_four_elections</a:t>
             </a:r>
             <a:r>
               <a:rPr lang="en-US" sz="2000" dirty="0">
                 <a:latin typeface="Consolas" panose="020B0609020204030204" pitchFamily="49" charset="0"/>
               </a:rPr>
-              <a:t> &lt;- read.csv(paste0(DATA_DIR, "data_2000.csv"))</a:t>
-            </a:r>
-          </a:p>
-          <a:p>
-            <a:pPr marL="0" indent="0">
-              <a:buNone/>
-            </a:pPr>
+              <a:t> &lt;- (</a:t>
+            </a:r>
+          </a:p>
+          <a:p>
+            <a:pPr marL="0" indent="0">
+              <a:buNone/>
+            </a:pPr>
+            <a:r>
+              <a:rPr lang="en-US" sz="2000" dirty="0">
+                <a:latin typeface="Consolas" panose="020B0609020204030204" pitchFamily="49" charset="0"/>
+              </a:rPr>
+              <a:t>  </a:t>
+            </a:r>
             <a:r>
               <a:rPr lang="en-US" sz="2000" dirty="0" err="1">
                 <a:latin typeface="Consolas" panose="020B0609020204030204" pitchFamily="49" charset="0"/>
               </a:rPr>
-              <a:t>election_metadata</a:t>
+              <a:t>ymd</a:t>
             </a:r>
             <a:r>
               <a:rPr lang="en-US" sz="2000" dirty="0">
                 <a:latin typeface="Consolas" panose="020B0609020204030204" pitchFamily="49" charset="0"/>
               </a:rPr>
-              <a:t> &lt;- read.csv(</a:t>
-            </a:r>
-          </a:p>
-          <a:p>
-            <a:pPr marL="0" indent="0">
-              <a:buNone/>
-            </a:pPr>
+              <a:t>("2022-11-08") - </a:t>
+            </a:r>
+            <a:r>
+              <a:rPr lang="en-US" sz="2000" dirty="0" err="1">
+                <a:latin typeface="Consolas" panose="020B0609020204030204" pitchFamily="49" charset="0"/>
+              </a:rPr>
+              <a:t>ymd</a:t>
+            </a:r>
             <a:r>
               <a:rPr lang="en-US" sz="2000" dirty="0">
                 <a:latin typeface="Consolas" panose="020B0609020204030204" pitchFamily="49" charset="0"/>
               </a:rPr>
-              <a:t>  paste0(DATA_DIR, "elections.csv")</a:t>
-            </a:r>
-          </a:p>
-          <a:p>
-            <a:pPr marL="0" indent="0">
-              <a:buNone/>
-            </a:pPr>
+              <a:t>(</a:t>
+            </a:r>
+            <a:r>
+              <a:rPr lang="en-US" sz="2000" dirty="0" err="1">
+                <a:latin typeface="Consolas" panose="020B0609020204030204" pitchFamily="49" charset="0"/>
+              </a:rPr>
+              <a:t>df$date</a:t>
+            </a:r>
             <a:r>
               <a:rPr lang="en-US" sz="2000" dirty="0">
                 <a:latin typeface="Consolas" panose="020B0609020204030204" pitchFamily="49" charset="0"/>
@@ -4995,16 +4988,8 @@
               <a:rPr lang="en-US" sz="2000" dirty="0">
                 <a:latin typeface="Consolas" panose="020B0609020204030204" pitchFamily="49" charset="0"/>
               </a:rPr>
-              <a:t>candidates &lt;- read.csv(paste0(DATA_DIR, "candidates.csv"))</a:t>
-            </a:r>
-          </a:p>
-          <a:p>
-            <a:pPr marL="0" indent="0">
-              <a:buNone/>
-            </a:pPr>
-            <a:endParaRPr lang="en-US" sz="2000" dirty="0">
-              <a:latin typeface="Consolas" panose="020B0609020204030204" pitchFamily="49" charset="0"/>
-            </a:endParaRPr>
+              <a:t>) &lt;= years(4)</a:t>
+            </a:r>
           </a:p>
           <a:p>
             <a:pPr marL="0" indent="0">
@@ -5014,7 +4999,7 @@
               <a:rPr lang="en-US" sz="2000" dirty="0" err="1">
                 <a:latin typeface="Consolas" panose="020B0609020204030204" pitchFamily="49" charset="0"/>
               </a:rPr>
-              <a:t>df$is_last_four_elections</a:t>
+              <a:t>df$age</a:t>
             </a:r>
             <a:r>
               <a:rPr lang="en-US" sz="2000" dirty="0">
@@ -5022,16 +5007,17 @@
               </a:rPr>
               <a:t> &lt;- (</a:t>
             </a:r>
-          </a:p>
-          <a:p>
-            <a:pPr marL="0" indent="0">
-              <a:buNone/>
-            </a:pPr>
+            <a:r>
+              <a:rPr lang="en-US" sz="2000" dirty="0" err="1">
+                <a:latin typeface="Consolas" panose="020B0609020204030204" pitchFamily="49" charset="0"/>
+              </a:rPr>
+              <a:t>ymd</a:t>
+            </a:r>
             <a:r>
               <a:rPr lang="en-US" sz="2000" dirty="0">
                 <a:latin typeface="Consolas" panose="020B0609020204030204" pitchFamily="49" charset="0"/>
               </a:rPr>
-              <a:t>  </a:t>
+              <a:t>("2022-11-08") - </a:t>
             </a:r>
             <a:r>
               <a:rPr lang="en-US" sz="2000" dirty="0" err="1">
@@ -5043,89 +5029,13 @@
               <a:rPr lang="en-US" sz="2000" dirty="0">
                 <a:latin typeface="Consolas" panose="020B0609020204030204" pitchFamily="49" charset="0"/>
               </a:rPr>
-              <a:t>(ELECTION_DATE) - </a:t>
+              <a:t>(</a:t>
             </a:r>
             <a:r>
               <a:rPr lang="en-US" sz="2000" dirty="0" err="1">
                 <a:latin typeface="Consolas" panose="020B0609020204030204" pitchFamily="49" charset="0"/>
               </a:rPr>
-              <a:t>ymd</a:t>
-            </a:r>
-            <a:r>
-              <a:rPr lang="en-US" sz="2000" dirty="0">
-                <a:latin typeface="Consolas" panose="020B0609020204030204" pitchFamily="49" charset="0"/>
-              </a:rPr>
-              <a:t>(</a:t>
-            </a:r>
-            <a:r>
-              <a:rPr lang="en-US" sz="2000" dirty="0" err="1">
-                <a:latin typeface="Consolas" panose="020B0609020204030204" pitchFamily="49" charset="0"/>
-              </a:rPr>
-              <a:t>df$date</a:t>
-            </a:r>
-            <a:r>
-              <a:rPr lang="en-US" sz="2000" dirty="0">
-                <a:latin typeface="Consolas" panose="020B0609020204030204" pitchFamily="49" charset="0"/>
-              </a:rPr>
-              <a:t>)</a:t>
-            </a:r>
-          </a:p>
-          <a:p>
-            <a:pPr marL="0" indent="0">
-              <a:buNone/>
-            </a:pPr>
-            <a:r>
-              <a:rPr lang="en-US" sz="2000" dirty="0">
-                <a:latin typeface="Consolas" panose="020B0609020204030204" pitchFamily="49" charset="0"/>
-              </a:rPr>
-              <a:t>) &lt;= years(4)</a:t>
-            </a:r>
-          </a:p>
-          <a:p>
-            <a:pPr marL="0" indent="0">
-              <a:buNone/>
-            </a:pPr>
-            <a:r>
-              <a:rPr lang="en-US" sz="2000" dirty="0" err="1">
-                <a:latin typeface="Consolas" panose="020B0609020204030204" pitchFamily="49" charset="0"/>
-              </a:rPr>
-              <a:t>df$age</a:t>
-            </a:r>
-            <a:r>
-              <a:rPr lang="en-US" sz="2000" dirty="0">
-                <a:latin typeface="Consolas" panose="020B0609020204030204" pitchFamily="49" charset="0"/>
-              </a:rPr>
-              <a:t> &lt;- (</a:t>
-            </a:r>
-            <a:r>
-              <a:rPr lang="en-US" sz="2000" dirty="0" err="1">
-                <a:latin typeface="Consolas" panose="020B0609020204030204" pitchFamily="49" charset="0"/>
-              </a:rPr>
-              <a:t>ymd</a:t>
-            </a:r>
-            <a:r>
-              <a:rPr lang="en-US" sz="2000" dirty="0">
-                <a:latin typeface="Consolas" panose="020B0609020204030204" pitchFamily="49" charset="0"/>
-              </a:rPr>
-              <a:t>(ELECTION_DATE) - </a:t>
-            </a:r>
-            <a:r>
-              <a:rPr lang="en-US" sz="2000" dirty="0" err="1">
-                <a:latin typeface="Consolas" panose="020B0609020204030204" pitchFamily="49" charset="0"/>
-              </a:rPr>
-              <a:t>ymd</a:t>
-            </a:r>
-            <a:r>
-              <a:rPr lang="en-US" sz="2000" dirty="0">
-                <a:latin typeface="Consolas" panose="020B0609020204030204" pitchFamily="49" charset="0"/>
-              </a:rPr>
-              <a:t>(</a:t>
-            </a:r>
-            <a:r>
-              <a:rPr lang="en-US" sz="2000" dirty="0" err="1">
-                <a:latin typeface="Consolas" panose="020B0609020204030204" pitchFamily="49" charset="0"/>
-              </a:rPr>
-              <a:t>df$date</a:t>
+              <a:t>df$birth_date</a:t>
             </a:r>
             <a:r>
               <a:rPr lang="en-US" sz="2000" dirty="0">
@@ -5139,7 +5049,7 @@
     </p:spTree>
     <p:extLst>
       <p:ext uri="{BB962C8B-B14F-4D97-AF65-F5344CB8AC3E}">
-        <p14:creationId xmlns:p14="http://schemas.microsoft.com/office/powerpoint/2010/main" val="2399949069"/>
+        <p14:creationId xmlns:p14="http://schemas.microsoft.com/office/powerpoint/2010/main" val="2029671469"/>
       </p:ext>
     </p:extLst>
   </p:cSld>
@@ -5171,6 +5081,344 @@
           <p:cNvPr id="2" name="Title 1">
             <a:extLst>
               <a:ext uri="{FF2B5EF4-FFF2-40B4-BE49-F238E27FC236}">
+                <a16:creationId xmlns:a16="http://schemas.microsoft.com/office/drawing/2014/main" id="{773F1545-107E-7B01-3043-3D133E845307}"/>
+              </a:ext>
+            </a:extLst>
+          </p:cNvPr>
+          <p:cNvSpPr>
+            <a:spLocks noGrp="1"/>
+          </p:cNvSpPr>
+          <p:nvPr>
+            <p:ph type="title"/>
+          </p:nvPr>
+        </p:nvSpPr>
+        <p:spPr/>
+        <p:txBody>
+          <a:bodyPr/>
+          <a:lstStyle/>
+          <a:p>
+            <a:r>
+              <a:rPr lang="en-US" dirty="0"/>
+              <a:t>Data reused in multiple places</a:t>
+            </a:r>
+          </a:p>
+        </p:txBody>
+      </p:sp>
+      <p:sp>
+        <p:nvSpPr>
+          <p:cNvPr id="3" name="Content Placeholder 2">
+            <a:extLst>
+              <a:ext uri="{FF2B5EF4-FFF2-40B4-BE49-F238E27FC236}">
+                <a16:creationId xmlns:a16="http://schemas.microsoft.com/office/drawing/2014/main" id="{D7CD9CEA-B5BE-3AE5-A7AE-CFD63F88CDBA}"/>
+              </a:ext>
+            </a:extLst>
+          </p:cNvPr>
+          <p:cNvSpPr>
+            <a:spLocks noGrp="1"/>
+          </p:cNvSpPr>
+          <p:nvPr>
+            <p:ph idx="1"/>
+          </p:nvPr>
+        </p:nvSpPr>
+        <p:spPr/>
+        <p:txBody>
+          <a:bodyPr>
+            <a:normAutofit fontScale="92500" lnSpcReduction="10000"/>
+          </a:bodyPr>
+          <a:lstStyle/>
+          <a:p>
+            <a:pPr marL="0" indent="0">
+              <a:buNone/>
+            </a:pPr>
+            <a:r>
+              <a:rPr lang="en-US" sz="2000" dirty="0">
+                <a:latin typeface="Consolas" panose="020B0609020204030204" pitchFamily="49" charset="0"/>
+              </a:rPr>
+              <a:t># could also </a:t>
+            </a:r>
+            <a:r>
+              <a:rPr lang="en-US" sz="2000" dirty="0" err="1">
+                <a:latin typeface="Consolas" panose="020B0609020204030204" pitchFamily="49" charset="0"/>
+              </a:rPr>
+              <a:t>setwd</a:t>
+            </a:r>
+            <a:r>
+              <a:rPr lang="en-US" sz="2000" dirty="0">
+                <a:latin typeface="Consolas" panose="020B0609020204030204" pitchFamily="49" charset="0"/>
+              </a:rPr>
+              <a:t>().</a:t>
+            </a:r>
+          </a:p>
+          <a:p>
+            <a:pPr marL="0" indent="0">
+              <a:buNone/>
+            </a:pPr>
+            <a:r>
+              <a:rPr lang="en-US" sz="2000" dirty="0">
+                <a:latin typeface="Consolas" panose="020B0609020204030204" pitchFamily="49" charset="0"/>
+              </a:rPr>
+              <a:t>DATA_DIR &lt;- "C:/Users/Jonathan/papers/data/" </a:t>
+            </a:r>
+          </a:p>
+          <a:p>
+            <a:pPr marL="0" indent="0">
+              <a:buNone/>
+            </a:pPr>
+            <a:r>
+              <a:rPr lang="en-US" sz="2000" dirty="0">
+                <a:latin typeface="Consolas" panose="020B0609020204030204" pitchFamily="49" charset="0"/>
+              </a:rPr>
+              <a:t>ELECTION_DATE &lt;- "2022-11-08"</a:t>
+            </a:r>
+          </a:p>
+          <a:p>
+            <a:pPr marL="0" indent="0">
+              <a:buNone/>
+            </a:pPr>
+            <a:endParaRPr lang="en-US" sz="2000" dirty="0">
+              <a:latin typeface="Consolas" panose="020B0609020204030204" pitchFamily="49" charset="0"/>
+            </a:endParaRPr>
+          </a:p>
+          <a:p>
+            <a:pPr marL="0" indent="0">
+              <a:buNone/>
+            </a:pPr>
+            <a:r>
+              <a:rPr lang="en-US" sz="2000" dirty="0" err="1">
+                <a:latin typeface="Consolas" panose="020B0609020204030204" pitchFamily="49" charset="0"/>
+              </a:rPr>
+              <a:t>df</a:t>
+            </a:r>
+            <a:r>
+              <a:rPr lang="en-US" sz="2000" dirty="0">
+                <a:latin typeface="Consolas" panose="020B0609020204030204" pitchFamily="49" charset="0"/>
+              </a:rPr>
+              <a:t> &lt;- read.csv(paste0(DATA_DIR, "data_2000.csv"))</a:t>
+            </a:r>
+          </a:p>
+          <a:p>
+            <a:pPr marL="0" indent="0">
+              <a:buNone/>
+            </a:pPr>
+            <a:r>
+              <a:rPr lang="en-US" sz="2000" dirty="0" err="1">
+                <a:latin typeface="Consolas" panose="020B0609020204030204" pitchFamily="49" charset="0"/>
+              </a:rPr>
+              <a:t>election_metadata</a:t>
+            </a:r>
+            <a:r>
+              <a:rPr lang="en-US" sz="2000" dirty="0">
+                <a:latin typeface="Consolas" panose="020B0609020204030204" pitchFamily="49" charset="0"/>
+              </a:rPr>
+              <a:t> &lt;- read.csv(</a:t>
+            </a:r>
+          </a:p>
+          <a:p>
+            <a:pPr marL="0" indent="0">
+              <a:buNone/>
+            </a:pPr>
+            <a:r>
+              <a:rPr lang="en-US" sz="2000" dirty="0">
+                <a:latin typeface="Consolas" panose="020B0609020204030204" pitchFamily="49" charset="0"/>
+              </a:rPr>
+              <a:t>  paste0(DATA_DIR, "elections.csv")</a:t>
+            </a:r>
+          </a:p>
+          <a:p>
+            <a:pPr marL="0" indent="0">
+              <a:buNone/>
+            </a:pPr>
+            <a:r>
+              <a:rPr lang="en-US" sz="2000" dirty="0">
+                <a:latin typeface="Consolas" panose="020B0609020204030204" pitchFamily="49" charset="0"/>
+              </a:rPr>
+              <a:t>)</a:t>
+            </a:r>
+          </a:p>
+          <a:p>
+            <a:pPr marL="0" indent="0">
+              <a:buNone/>
+            </a:pPr>
+            <a:r>
+              <a:rPr lang="en-US" sz="2000" dirty="0">
+                <a:latin typeface="Consolas" panose="020B0609020204030204" pitchFamily="49" charset="0"/>
+              </a:rPr>
+              <a:t>candidates &lt;- read.csv(paste0(DATA_DIR, "candidates.csv"))</a:t>
+            </a:r>
+          </a:p>
+          <a:p>
+            <a:pPr marL="0" indent="0">
+              <a:buNone/>
+            </a:pPr>
+            <a:endParaRPr lang="en-US" sz="2000" dirty="0">
+              <a:latin typeface="Consolas" panose="020B0609020204030204" pitchFamily="49" charset="0"/>
+            </a:endParaRPr>
+          </a:p>
+          <a:p>
+            <a:pPr marL="0" indent="0">
+              <a:buNone/>
+            </a:pPr>
+            <a:r>
+              <a:rPr lang="en-US" sz="2000" dirty="0" err="1">
+                <a:latin typeface="Consolas" panose="020B0609020204030204" pitchFamily="49" charset="0"/>
+              </a:rPr>
+              <a:t>df$is_last_four_elections</a:t>
+            </a:r>
+            <a:r>
+              <a:rPr lang="en-US" sz="2000" dirty="0">
+                <a:latin typeface="Consolas" panose="020B0609020204030204" pitchFamily="49" charset="0"/>
+              </a:rPr>
+              <a:t> &lt;- (</a:t>
+            </a:r>
+          </a:p>
+          <a:p>
+            <a:pPr marL="0" indent="0">
+              <a:buNone/>
+            </a:pPr>
+            <a:r>
+              <a:rPr lang="en-US" sz="2000" dirty="0">
+                <a:latin typeface="Consolas" panose="020B0609020204030204" pitchFamily="49" charset="0"/>
+              </a:rPr>
+              <a:t>  </a:t>
+            </a:r>
+            <a:r>
+              <a:rPr lang="en-US" sz="2000" dirty="0" err="1">
+                <a:latin typeface="Consolas" panose="020B0609020204030204" pitchFamily="49" charset="0"/>
+              </a:rPr>
+              <a:t>ymd</a:t>
+            </a:r>
+            <a:r>
+              <a:rPr lang="en-US" sz="2000" dirty="0">
+                <a:latin typeface="Consolas" panose="020B0609020204030204" pitchFamily="49" charset="0"/>
+              </a:rPr>
+              <a:t>(ELECTION_DATE) - </a:t>
+            </a:r>
+            <a:r>
+              <a:rPr lang="en-US" sz="2000" dirty="0" err="1">
+                <a:latin typeface="Consolas" panose="020B0609020204030204" pitchFamily="49" charset="0"/>
+              </a:rPr>
+              <a:t>ymd</a:t>
+            </a:r>
+            <a:r>
+              <a:rPr lang="en-US" sz="2000" dirty="0">
+                <a:latin typeface="Consolas" panose="020B0609020204030204" pitchFamily="49" charset="0"/>
+              </a:rPr>
+              <a:t>(</a:t>
+            </a:r>
+            <a:r>
+              <a:rPr lang="en-US" sz="2000" dirty="0" err="1">
+                <a:latin typeface="Consolas" panose="020B0609020204030204" pitchFamily="49" charset="0"/>
+              </a:rPr>
+              <a:t>df$date</a:t>
+            </a:r>
+            <a:r>
+              <a:rPr lang="en-US" sz="2000" dirty="0">
+                <a:latin typeface="Consolas" panose="020B0609020204030204" pitchFamily="49" charset="0"/>
+              </a:rPr>
+              <a:t>)</a:t>
+            </a:r>
+          </a:p>
+          <a:p>
+            <a:pPr marL="0" indent="0">
+              <a:buNone/>
+            </a:pPr>
+            <a:r>
+              <a:rPr lang="en-US" sz="2000" dirty="0">
+                <a:latin typeface="Consolas" panose="020B0609020204030204" pitchFamily="49" charset="0"/>
+              </a:rPr>
+              <a:t>) &lt;= years(4)</a:t>
+            </a:r>
+          </a:p>
+          <a:p>
+            <a:pPr marL="0" indent="0">
+              <a:buNone/>
+            </a:pPr>
+            <a:r>
+              <a:rPr lang="en-US" sz="2000" dirty="0" err="1">
+                <a:latin typeface="Consolas" panose="020B0609020204030204" pitchFamily="49" charset="0"/>
+              </a:rPr>
+              <a:t>df$age</a:t>
+            </a:r>
+            <a:r>
+              <a:rPr lang="en-US" sz="2000" dirty="0">
+                <a:latin typeface="Consolas" panose="020B0609020204030204" pitchFamily="49" charset="0"/>
+              </a:rPr>
+              <a:t> &lt;- (</a:t>
+            </a:r>
+            <a:r>
+              <a:rPr lang="en-US" sz="2000" dirty="0" err="1">
+                <a:latin typeface="Consolas" panose="020B0609020204030204" pitchFamily="49" charset="0"/>
+              </a:rPr>
+              <a:t>ymd</a:t>
+            </a:r>
+            <a:r>
+              <a:rPr lang="en-US" sz="2000" dirty="0">
+                <a:latin typeface="Consolas" panose="020B0609020204030204" pitchFamily="49" charset="0"/>
+              </a:rPr>
+              <a:t>(ELECTION_DATE) - </a:t>
+            </a:r>
+            <a:r>
+              <a:rPr lang="en-US" sz="2000" dirty="0" err="1">
+                <a:latin typeface="Consolas" panose="020B0609020204030204" pitchFamily="49" charset="0"/>
+              </a:rPr>
+              <a:t>ymd</a:t>
+            </a:r>
+            <a:r>
+              <a:rPr lang="en-US" sz="2000" dirty="0">
+                <a:latin typeface="Consolas" panose="020B0609020204030204" pitchFamily="49" charset="0"/>
+              </a:rPr>
+              <a:t>(</a:t>
+            </a:r>
+            <a:r>
+              <a:rPr lang="en-US" sz="2000" dirty="0" err="1">
+                <a:latin typeface="Consolas" panose="020B0609020204030204" pitchFamily="49" charset="0"/>
+              </a:rPr>
+              <a:t>df$date</a:t>
+            </a:r>
+            <a:r>
+              <a:rPr lang="en-US" sz="2000" dirty="0">
+                <a:latin typeface="Consolas" panose="020B0609020204030204" pitchFamily="49" charset="0"/>
+              </a:rPr>
+              <a:t>))</a:t>
+            </a:r>
+          </a:p>
+        </p:txBody>
+      </p:sp>
+    </p:spTree>
+    <p:extLst>
+      <p:ext uri="{BB962C8B-B14F-4D97-AF65-F5344CB8AC3E}">
+        <p14:creationId xmlns:p14="http://schemas.microsoft.com/office/powerpoint/2010/main" val="2399949069"/>
+      </p:ext>
+    </p:extLst>
+  </p:cSld>
+  <p:clrMapOvr>
+    <a:masterClrMapping/>
+  </p:clrMapOvr>
+</p:sld>
+</file>
+
+<file path=ppt/slides/slide17.xml><?xml version="1.0" encoding="utf-8"?>
+<p:sld xmlns:a="http://schemas.openxmlformats.org/drawingml/2006/main" xmlns:r="http://schemas.openxmlformats.org/officeDocument/2006/relationships" xmlns:p="http://schemas.openxmlformats.org/presentationml/2006/main">
+  <p:cSld>
+    <p:spTree>
+      <p:nvGrpSpPr>
+        <p:cNvPr id="1" name=""/>
+        <p:cNvGrpSpPr/>
+        <p:nvPr/>
+      </p:nvGrpSpPr>
+      <p:grpSpPr>
+        <a:xfrm>
+          <a:off x="0" y="0"/>
+          <a:ext cx="0" cy="0"/>
+          <a:chOff x="0" y="0"/>
+          <a:chExt cx="0" cy="0"/>
+        </a:xfrm>
+      </p:grpSpPr>
+      <p:sp>
+        <p:nvSpPr>
+          <p:cNvPr id="2" name="Title 1">
+            <a:extLst>
+              <a:ext uri="{FF2B5EF4-FFF2-40B4-BE49-F238E27FC236}">
                 <a16:creationId xmlns:a16="http://schemas.microsoft.com/office/drawing/2014/main" id="{805CA0D7-7D2D-DA84-2611-B50032F143F6}"/>
               </a:ext>
             </a:extLst>
@@ -5189,7 +5437,7 @@
           <a:p>
             <a:r>
               <a:rPr lang="en-US" dirty="0"/>
-              <a:t>Don’t write any information twice</a:t>
+              <a:t>Don’t write any information thrice</a:t>
             </a:r>
           </a:p>
         </p:txBody>
@@ -5319,7 +5567,7 @@
 </p:sld>
 </file>
 
-<file path=ppt/slides/slide17.xml><?xml version="1.0" encoding="utf-8"?>
+<file path=ppt/slides/slide18.xml><?xml version="1.0" encoding="utf-8"?>
 <p:sld xmlns:a="http://schemas.openxmlformats.org/drawingml/2006/main" xmlns:r="http://schemas.openxmlformats.org/officeDocument/2006/relationships" xmlns:p="http://schemas.openxmlformats.org/presentationml/2006/main">
   <p:cSld>
     <p:spTree>
@@ -5445,7 +5693,7 @@
 </p:sld>
 </file>
 
-<file path=ppt/slides/slide18.xml><?xml version="1.0" encoding="utf-8"?>
+<file path=ppt/slides/slide19.xml><?xml version="1.0" encoding="utf-8"?>
 <p:sld xmlns:a="http://schemas.openxmlformats.org/drawingml/2006/main" xmlns:r="http://schemas.openxmlformats.org/officeDocument/2006/relationships" xmlns:p="http://schemas.openxmlformats.org/presentationml/2006/main">
   <p:cSld>
     <p:spTree>
@@ -5593,7 +5841,90 @@
 </p:sld>
 </file>
 
-<file path=ppt/slides/slide19.xml><?xml version="1.0" encoding="utf-8"?>
+<file path=ppt/slides/slide2.xml><?xml version="1.0" encoding="utf-8"?>
+<p:sld xmlns:a="http://schemas.openxmlformats.org/drawingml/2006/main" xmlns:r="http://schemas.openxmlformats.org/officeDocument/2006/relationships" xmlns:p="http://schemas.openxmlformats.org/presentationml/2006/main">
+  <p:cSld>
+    <p:spTree>
+      <p:nvGrpSpPr>
+        <p:cNvPr id="1" name=""/>
+        <p:cNvGrpSpPr/>
+        <p:nvPr/>
+      </p:nvGrpSpPr>
+      <p:grpSpPr>
+        <a:xfrm>
+          <a:off x="0" y="0"/>
+          <a:ext cx="0" cy="0"/>
+          <a:chOff x="0" y="0"/>
+          <a:chExt cx="0" cy="0"/>
+        </a:xfrm>
+      </p:grpSpPr>
+      <p:sp>
+        <p:nvSpPr>
+          <p:cNvPr id="2" name="Title 1"/>
+          <p:cNvSpPr>
+            <a:spLocks noGrp="1"/>
+          </p:cNvSpPr>
+          <p:nvPr>
+            <p:ph type="ctrTitle"/>
+          </p:nvPr>
+        </p:nvSpPr>
+        <p:spPr/>
+        <p:txBody>
+          <a:bodyPr>
+            <a:normAutofit fontScale="90000"/>
+          </a:bodyPr>
+          <a:lstStyle/>
+          <a:p>
+            <a:r>
+              <a:rPr lang="en-US" dirty="0"/>
+              <a:t>R for Data Science V:</a:t>
+            </a:r>
+            <a:br>
+              <a:rPr lang="en-US" dirty="0"/>
+            </a:br>
+            <a:r>
+              <a:rPr lang="en-US" dirty="0"/>
+              <a:t>Software Engineering for Researchers</a:t>
+            </a:r>
+          </a:p>
+        </p:txBody>
+      </p:sp>
+      <p:sp>
+        <p:nvSpPr>
+          <p:cNvPr id="3" name="Subtitle 2"/>
+          <p:cNvSpPr>
+            <a:spLocks noGrp="1"/>
+          </p:cNvSpPr>
+          <p:nvPr>
+            <p:ph type="subTitle" idx="1"/>
+          </p:nvPr>
+        </p:nvSpPr>
+        <p:spPr/>
+        <p:txBody>
+          <a:bodyPr/>
+          <a:lstStyle/>
+          <a:p>
+            <a:r>
+              <a:rPr lang="en-US" dirty="0"/>
+              <a:t>Jonathan Tannen</a:t>
+            </a:r>
+          </a:p>
+        </p:txBody>
+      </p:sp>
+    </p:spTree>
+    <p:extLst>
+      <p:ext uri="{BB962C8B-B14F-4D97-AF65-F5344CB8AC3E}">
+        <p14:creationId xmlns:p14="http://schemas.microsoft.com/office/powerpoint/2010/main" val="28704738"/>
+      </p:ext>
+    </p:extLst>
+  </p:cSld>
+  <p:clrMapOvr>
+    <a:masterClrMapping/>
+  </p:clrMapOvr>
+</p:sld>
+</file>
+
+<file path=ppt/slides/slide20.xml><?xml version="1.0" encoding="utf-8"?>
 <p:sld xmlns:a="http://schemas.openxmlformats.org/drawingml/2006/main" xmlns:r="http://schemas.openxmlformats.org/officeDocument/2006/relationships" xmlns:p="http://schemas.openxmlformats.org/presentationml/2006/main">
   <p:cSld>
     <p:spTree>
@@ -5762,216 +6093,6 @@
 </p:sld>
 </file>
 
-<file path=ppt/slides/slide2.xml><?xml version="1.0" encoding="utf-8"?>
-<p:sld xmlns:a="http://schemas.openxmlformats.org/drawingml/2006/main" xmlns:r="http://schemas.openxmlformats.org/officeDocument/2006/relationships" xmlns:p="http://schemas.openxmlformats.org/presentationml/2006/main">
-  <p:cSld>
-    <p:spTree>
-      <p:nvGrpSpPr>
-        <p:cNvPr id="1" name=""/>
-        <p:cNvGrpSpPr/>
-        <p:nvPr/>
-      </p:nvGrpSpPr>
-      <p:grpSpPr>
-        <a:xfrm>
-          <a:off x="0" y="0"/>
-          <a:ext cx="0" cy="0"/>
-          <a:chOff x="0" y="0"/>
-          <a:chExt cx="0" cy="0"/>
-        </a:xfrm>
-      </p:grpSpPr>
-      <p:sp>
-        <p:nvSpPr>
-          <p:cNvPr id="2" name="Title 1"/>
-          <p:cNvSpPr>
-            <a:spLocks noGrp="1"/>
-          </p:cNvSpPr>
-          <p:nvPr>
-            <p:ph type="ctrTitle"/>
-          </p:nvPr>
-        </p:nvSpPr>
-        <p:spPr/>
-        <p:txBody>
-          <a:bodyPr>
-            <a:normAutofit fontScale="90000"/>
-          </a:bodyPr>
-          <a:lstStyle/>
-          <a:p>
-            <a:r>
-              <a:rPr lang="en-US" dirty="0"/>
-              <a:t>R for Data Science V:</a:t>
-            </a:r>
-            <a:br>
-              <a:rPr lang="en-US" dirty="0"/>
-            </a:br>
-            <a:r>
-              <a:rPr lang="en-US" dirty="0"/>
-              <a:t>Software Engineering for Researchers</a:t>
-            </a:r>
-          </a:p>
-        </p:txBody>
-      </p:sp>
-      <p:sp>
-        <p:nvSpPr>
-          <p:cNvPr id="3" name="Subtitle 2"/>
-          <p:cNvSpPr>
-            <a:spLocks noGrp="1"/>
-          </p:cNvSpPr>
-          <p:nvPr>
-            <p:ph type="subTitle" idx="1"/>
-          </p:nvPr>
-        </p:nvSpPr>
-        <p:spPr/>
-        <p:txBody>
-          <a:bodyPr/>
-          <a:lstStyle/>
-          <a:p>
-            <a:r>
-              <a:rPr lang="en-US" dirty="0"/>
-              <a:t>Jonathan Tannen</a:t>
-            </a:r>
-          </a:p>
-        </p:txBody>
-      </p:sp>
-    </p:spTree>
-    <p:extLst>
-      <p:ext uri="{BB962C8B-B14F-4D97-AF65-F5344CB8AC3E}">
-        <p14:creationId xmlns:p14="http://schemas.microsoft.com/office/powerpoint/2010/main" val="28704738"/>
-      </p:ext>
-    </p:extLst>
-  </p:cSld>
-  <p:clrMapOvr>
-    <a:masterClrMapping/>
-  </p:clrMapOvr>
-</p:sld>
-</file>
-
-<file path=ppt/slides/slide20.xml><?xml version="1.0" encoding="utf-8"?>
-<p:sld xmlns:a="http://schemas.openxmlformats.org/drawingml/2006/main" xmlns:r="http://schemas.openxmlformats.org/officeDocument/2006/relationships" xmlns:p="http://schemas.openxmlformats.org/presentationml/2006/main">
-  <p:cSld>
-    <p:spTree>
-      <p:nvGrpSpPr>
-        <p:cNvPr id="1" name=""/>
-        <p:cNvGrpSpPr/>
-        <p:nvPr/>
-      </p:nvGrpSpPr>
-      <p:grpSpPr>
-        <a:xfrm>
-          <a:off x="0" y="0"/>
-          <a:ext cx="0" cy="0"/>
-          <a:chOff x="0" y="0"/>
-          <a:chExt cx="0" cy="0"/>
-        </a:xfrm>
-      </p:grpSpPr>
-      <p:sp>
-        <p:nvSpPr>
-          <p:cNvPr id="2" name="Title 1">
-            <a:extLst>
-              <a:ext uri="{FF2B5EF4-FFF2-40B4-BE49-F238E27FC236}">
-                <a16:creationId xmlns:a16="http://schemas.microsoft.com/office/drawing/2014/main" id="{D9B7CA40-9A84-64C5-E76D-8DDA7399CAA6}"/>
-              </a:ext>
-            </a:extLst>
-          </p:cNvPr>
-          <p:cNvSpPr>
-            <a:spLocks noGrp="1"/>
-          </p:cNvSpPr>
-          <p:nvPr>
-            <p:ph type="title"/>
-          </p:nvPr>
-        </p:nvSpPr>
-        <p:spPr/>
-        <p:txBody>
-          <a:bodyPr/>
-          <a:lstStyle/>
-          <a:p>
-            <a:r>
-              <a:rPr lang="en-US" dirty="0"/>
-              <a:t>Rules for modular data cleaning</a:t>
-            </a:r>
-          </a:p>
-        </p:txBody>
-      </p:sp>
-      <p:sp>
-        <p:nvSpPr>
-          <p:cNvPr id="3" name="Content Placeholder 2">
-            <a:extLst>
-              <a:ext uri="{FF2B5EF4-FFF2-40B4-BE49-F238E27FC236}">
-                <a16:creationId xmlns:a16="http://schemas.microsoft.com/office/drawing/2014/main" id="{76B58E5E-F9D9-47FD-9908-2F8F3EEEA3F9}"/>
-              </a:ext>
-            </a:extLst>
-          </p:cNvPr>
-          <p:cNvSpPr>
-            <a:spLocks noGrp="1"/>
-          </p:cNvSpPr>
-          <p:nvPr>
-            <p:ph idx="1"/>
-          </p:nvPr>
-        </p:nvSpPr>
-        <p:spPr/>
-        <p:txBody>
-          <a:bodyPr/>
-          <a:lstStyle/>
-          <a:p>
-            <a:r>
-              <a:rPr lang="en-US" dirty="0"/>
-              <a:t>Store the raw data. Never modify this file.</a:t>
-            </a:r>
-          </a:p>
-          <a:p>
-            <a:r>
-              <a:rPr lang="en-US" dirty="0"/>
-              <a:t>Clean the data </a:t>
-            </a:r>
-            <a:r>
-              <a:rPr lang="en-US" i="1" dirty="0"/>
-              <a:t>using code</a:t>
-            </a:r>
-            <a:r>
-              <a:rPr lang="en-US" dirty="0"/>
-              <a:t>. Never touch by hand.</a:t>
-            </a:r>
-          </a:p>
-          <a:p>
-            <a:r>
-              <a:rPr lang="en-US" dirty="0"/>
-              <a:t>Write outputs to </a:t>
-            </a:r>
-            <a:r>
-              <a:rPr lang="en-US" dirty="0" err="1"/>
-              <a:t>processed_data</a:t>
-            </a:r>
-            <a:r>
-              <a:rPr lang="en-US" dirty="0"/>
-              <a:t>/</a:t>
-            </a:r>
-          </a:p>
-          <a:p>
-            <a:pPr lvl="1"/>
-            <a:r>
-              <a:rPr lang="en-US" dirty="0"/>
-              <a:t>Everything downstream simply assumes this data exists.</a:t>
-            </a:r>
-          </a:p>
-          <a:p>
-            <a:r>
-              <a:rPr lang="en-US" dirty="0"/>
-              <a:t>Write test script that produces summary outputs, tests, and plots.</a:t>
-            </a:r>
-          </a:p>
-        </p:txBody>
-      </p:sp>
-    </p:spTree>
-    <p:extLst>
-      <p:ext uri="{BB962C8B-B14F-4D97-AF65-F5344CB8AC3E}">
-        <p14:creationId xmlns:p14="http://schemas.microsoft.com/office/powerpoint/2010/main" val="2634117212"/>
-      </p:ext>
-    </p:extLst>
-  </p:cSld>
-  <p:clrMapOvr>
-    <a:masterClrMapping/>
-  </p:clrMapOvr>
-</p:sld>
-</file>
-
 <file path=ppt/slides/slide21.xml><?xml version="1.0" encoding="utf-8"?>
 <p:sld xmlns:a="http://schemas.openxmlformats.org/drawingml/2006/main" xmlns:r="http://schemas.openxmlformats.org/officeDocument/2006/relationships" xmlns:p="http://schemas.openxmlformats.org/presentationml/2006/main">
   <p:cSld>
@@ -5994,7 +6115,7 @@
           <p:cNvPr id="2" name="Title 1">
             <a:extLst>
               <a:ext uri="{FF2B5EF4-FFF2-40B4-BE49-F238E27FC236}">
-                <a16:creationId xmlns:a16="http://schemas.microsoft.com/office/drawing/2014/main" id="{AC5E5618-EF22-3203-D109-697E3838C6D3}"/>
+                <a16:creationId xmlns:a16="http://schemas.microsoft.com/office/drawing/2014/main" id="{D9B7CA40-9A84-64C5-E76D-8DDA7399CAA6}"/>
               </a:ext>
             </a:extLst>
           </p:cNvPr>
@@ -6012,7 +6133,7 @@
           <a:p>
             <a:r>
               <a:rPr lang="en-US" dirty="0"/>
-              <a:t>Theme 3: Confident Automation</a:t>
+              <a:t>Rules for modular data cleaning</a:t>
             </a:r>
           </a:p>
         </p:txBody>
@@ -6022,7 +6143,7 @@
           <p:cNvPr id="3" name="Content Placeholder 2">
             <a:extLst>
               <a:ext uri="{FF2B5EF4-FFF2-40B4-BE49-F238E27FC236}">
-                <a16:creationId xmlns:a16="http://schemas.microsoft.com/office/drawing/2014/main" id="{79E17E5B-255F-E67E-BAB0-E661DF5A613C}"/>
+                <a16:creationId xmlns:a16="http://schemas.microsoft.com/office/drawing/2014/main" id="{76B58E5E-F9D9-47FD-9908-2F8F3EEEA3F9}"/>
               </a:ext>
             </a:extLst>
           </p:cNvPr>
@@ -6036,70 +6157,77 @@
         <p:spPr/>
         <p:txBody>
           <a:bodyPr>
-            <a:normAutofit/>
+            <a:normAutofit lnSpcReduction="10000"/>
           </a:bodyPr>
           <a:lstStyle/>
           <a:p>
-            <a:pPr marL="0" indent="0">
-              <a:buNone/>
-            </a:pPr>
+            <a:r>
+              <a:rPr lang="en-US" dirty="0"/>
+              <a:t>Store the raw data in a folder </a:t>
+            </a:r>
+            <a:r>
+              <a:rPr lang="en-US" dirty="0" err="1"/>
+              <a:t>raw_data</a:t>
+            </a:r>
+            <a:r>
+              <a:rPr lang="en-US" dirty="0"/>
+              <a:t>/.</a:t>
+            </a:r>
+          </a:p>
+          <a:p>
+            <a:pPr lvl="1"/>
+            <a:r>
+              <a:rPr lang="en-US" dirty="0"/>
+              <a:t>Never modify this file.</a:t>
+            </a:r>
+          </a:p>
+          <a:p>
+            <a:r>
+              <a:rPr lang="en-US" dirty="0"/>
+              <a:t>Clean the data </a:t>
+            </a:r>
             <a:r>
               <a:rPr lang="en-US" i="1" dirty="0"/>
-              <a:t>Don’t do anything by hand.</a:t>
-            </a:r>
-          </a:p>
-          <a:p>
-            <a:pPr>
-              <a:buFontTx/>
-              <a:buChar char="-"/>
-            </a:pPr>
-            <a:r>
-              <a:rPr lang="en-US" dirty="0"/>
-              <a:t>Data cleaning</a:t>
-            </a:r>
-          </a:p>
-          <a:p>
-            <a:pPr>
-              <a:buFontTx/>
-              <a:buChar char="-"/>
-            </a:pPr>
-            <a:r>
-              <a:rPr lang="en-US" dirty="0"/>
-              <a:t>Moving files</a:t>
-            </a:r>
-          </a:p>
-          <a:p>
-            <a:pPr>
-              <a:buFontTx/>
-              <a:buChar char="-"/>
-            </a:pPr>
-            <a:r>
-              <a:rPr lang="en-US" dirty="0"/>
-              <a:t>Making maps</a:t>
-            </a:r>
-          </a:p>
-          <a:p>
-            <a:pPr marL="0" indent="0">
-              <a:buNone/>
-            </a:pPr>
-            <a:endParaRPr lang="en-US" sz="3200" dirty="0"/>
-          </a:p>
-          <a:p>
-            <a:pPr marL="0" indent="0">
-              <a:buNone/>
-            </a:pPr>
-            <a:r>
-              <a:rPr lang="en-US" i="1" dirty="0"/>
-              <a:t>Why?</a:t>
-            </a:r>
-            <a:endParaRPr lang="en-US" sz="3200" i="1" dirty="0"/>
+              <a:t>using code</a:t>
+            </a:r>
+            <a:r>
+              <a:rPr lang="en-US" dirty="0"/>
+              <a:t>. Never touch by hand.</a:t>
+            </a:r>
+          </a:p>
+          <a:p>
+            <a:r>
+              <a:rPr lang="en-US" dirty="0"/>
+              <a:t>Write outputs to </a:t>
+            </a:r>
+            <a:r>
+              <a:rPr lang="en-US" dirty="0" err="1"/>
+              <a:t>processed_data</a:t>
+            </a:r>
+            <a:r>
+              <a:rPr lang="en-US" dirty="0"/>
+              <a:t>/</a:t>
+            </a:r>
+          </a:p>
+          <a:p>
+            <a:pPr lvl="1"/>
+            <a:r>
+              <a:rPr lang="en-US" dirty="0"/>
+              <a:t>Everything downstream simply assumes this data exists.</a:t>
+            </a:r>
+          </a:p>
+          <a:p>
+            <a:r>
+              <a:rPr lang="en-US" dirty="0"/>
+              <a:t>Write a test script that produces summary outputs, tests, and plots.</a:t>
+            </a:r>
           </a:p>
         </p:txBody>
       </p:sp>
     </p:spTree>
     <p:extLst>
       <p:ext uri="{BB962C8B-B14F-4D97-AF65-F5344CB8AC3E}">
-        <p14:creationId xmlns:p14="http://schemas.microsoft.com/office/powerpoint/2010/main" val="2481660292"/>
+        <p14:creationId xmlns:p14="http://schemas.microsoft.com/office/powerpoint/2010/main" val="2634117212"/>
       </p:ext>
     </p:extLst>
   </p:cSld>
@@ -6131,6 +6259,343 @@
           <p:cNvPr id="2" name="Title 1">
             <a:extLst>
               <a:ext uri="{FF2B5EF4-FFF2-40B4-BE49-F238E27FC236}">
+                <a16:creationId xmlns:a16="http://schemas.microsoft.com/office/drawing/2014/main" id="{B632CE58-C65A-13AF-23D8-1FECE1541BDE}"/>
+              </a:ext>
+            </a:extLst>
+          </p:cNvPr>
+          <p:cNvSpPr>
+            <a:spLocks noGrp="1"/>
+          </p:cNvSpPr>
+          <p:nvPr>
+            <p:ph type="title"/>
+          </p:nvPr>
+        </p:nvSpPr>
+        <p:spPr/>
+        <p:txBody>
+          <a:bodyPr/>
+          <a:lstStyle/>
+          <a:p>
+            <a:endParaRPr lang="en-US"/>
+          </a:p>
+        </p:txBody>
+      </p:sp>
+      <p:sp>
+        <p:nvSpPr>
+          <p:cNvPr id="3" name="Content Placeholder 2">
+            <a:extLst>
+              <a:ext uri="{FF2B5EF4-FFF2-40B4-BE49-F238E27FC236}">
+                <a16:creationId xmlns:a16="http://schemas.microsoft.com/office/drawing/2014/main" id="{93EE3448-BECB-C9B0-17AB-FED63E047E38}"/>
+              </a:ext>
+            </a:extLst>
+          </p:cNvPr>
+          <p:cNvSpPr>
+            <a:spLocks noGrp="1"/>
+          </p:cNvSpPr>
+          <p:nvPr>
+            <p:ph idx="1"/>
+          </p:nvPr>
+        </p:nvSpPr>
+        <p:spPr/>
+        <p:txBody>
+          <a:bodyPr/>
+          <a:lstStyle/>
+          <a:p>
+            <a:pPr marL="0" indent="0">
+              <a:buNone/>
+            </a:pPr>
+            <a:endParaRPr lang="en-US" dirty="0"/>
+          </a:p>
+          <a:p>
+            <a:pPr marL="0" indent="0" algn="ctr">
+              <a:buNone/>
+            </a:pPr>
+            <a:r>
+              <a:rPr lang="en-US" dirty="0"/>
+              <a:t>Let’s look at the turnout tracker.</a:t>
+            </a:r>
+          </a:p>
+        </p:txBody>
+      </p:sp>
+    </p:spTree>
+    <p:extLst>
+      <p:ext uri="{BB962C8B-B14F-4D97-AF65-F5344CB8AC3E}">
+        <p14:creationId xmlns:p14="http://schemas.microsoft.com/office/powerpoint/2010/main" val="1755407898"/>
+      </p:ext>
+    </p:extLst>
+  </p:cSld>
+  <p:clrMapOvr>
+    <a:masterClrMapping/>
+  </p:clrMapOvr>
+</p:sld>
+</file>
+
+<file path=ppt/slides/slide23.xml><?xml version="1.0" encoding="utf-8"?>
+<p:sld xmlns:a="http://schemas.openxmlformats.org/drawingml/2006/main" xmlns:r="http://schemas.openxmlformats.org/officeDocument/2006/relationships" xmlns:p="http://schemas.openxmlformats.org/presentationml/2006/main">
+  <p:cSld>
+    <p:spTree>
+      <p:nvGrpSpPr>
+        <p:cNvPr id="1" name=""/>
+        <p:cNvGrpSpPr/>
+        <p:nvPr/>
+      </p:nvGrpSpPr>
+      <p:grpSpPr>
+        <a:xfrm>
+          <a:off x="0" y="0"/>
+          <a:ext cx="0" cy="0"/>
+          <a:chOff x="0" y="0"/>
+          <a:chExt cx="0" cy="0"/>
+        </a:xfrm>
+      </p:grpSpPr>
+      <p:sp>
+        <p:nvSpPr>
+          <p:cNvPr id="2" name="Title 1">
+            <a:extLst>
+              <a:ext uri="{FF2B5EF4-FFF2-40B4-BE49-F238E27FC236}">
+                <a16:creationId xmlns:a16="http://schemas.microsoft.com/office/drawing/2014/main" id="{28F01177-53DC-264D-9F57-1370F5765D73}"/>
+              </a:ext>
+            </a:extLst>
+          </p:cNvPr>
+          <p:cNvSpPr>
+            <a:spLocks noGrp="1"/>
+          </p:cNvSpPr>
+          <p:nvPr>
+            <p:ph type="title"/>
+          </p:nvPr>
+        </p:nvSpPr>
+        <p:spPr/>
+        <p:txBody>
+          <a:bodyPr/>
+          <a:lstStyle/>
+          <a:p>
+            <a:r>
+              <a:rPr lang="en-US" dirty="0"/>
+              <a:t>Example of project management</a:t>
+            </a:r>
+          </a:p>
+        </p:txBody>
+      </p:sp>
+      <p:sp>
+        <p:nvSpPr>
+          <p:cNvPr id="3" name="Content Placeholder 2">
+            <a:extLst>
+              <a:ext uri="{FF2B5EF4-FFF2-40B4-BE49-F238E27FC236}">
+                <a16:creationId xmlns:a16="http://schemas.microsoft.com/office/drawing/2014/main" id="{881808EF-C956-9EA4-E09F-E407A562ABD2}"/>
+              </a:ext>
+            </a:extLst>
+          </p:cNvPr>
+          <p:cNvSpPr>
+            <a:spLocks noGrp="1"/>
+          </p:cNvSpPr>
+          <p:nvPr>
+            <p:ph idx="1"/>
+          </p:nvPr>
+        </p:nvSpPr>
+        <p:spPr/>
+        <p:txBody>
+          <a:bodyPr/>
+          <a:lstStyle/>
+          <a:p>
+            <a:pPr marL="0" indent="0">
+              <a:buNone/>
+            </a:pPr>
+            <a:endParaRPr lang="en-US" dirty="0"/>
+          </a:p>
+          <a:p>
+            <a:pPr marL="0" indent="0">
+              <a:buNone/>
+            </a:pPr>
+            <a:endParaRPr lang="en-US" dirty="0"/>
+          </a:p>
+          <a:p>
+            <a:pPr marL="0" indent="0" algn="ctr">
+              <a:buNone/>
+            </a:pPr>
+            <a:r>
+              <a:rPr lang="en-US" dirty="0"/>
+              <a:t>Demo of </a:t>
+            </a:r>
+            <a:r>
+              <a:rPr lang="en-US" dirty="0" err="1">
+                <a:latin typeface="Consolas" panose="020B0609020204030204" pitchFamily="49" charset="0"/>
+              </a:rPr>
+              <a:t>usethis</a:t>
+            </a:r>
+            <a:endParaRPr lang="en-US" dirty="0"/>
+          </a:p>
+        </p:txBody>
+      </p:sp>
+    </p:spTree>
+    <p:extLst>
+      <p:ext uri="{BB962C8B-B14F-4D97-AF65-F5344CB8AC3E}">
+        <p14:creationId xmlns:p14="http://schemas.microsoft.com/office/powerpoint/2010/main" val="1474313761"/>
+      </p:ext>
+    </p:extLst>
+  </p:cSld>
+  <p:clrMapOvr>
+    <a:masterClrMapping/>
+  </p:clrMapOvr>
+</p:sld>
+</file>
+
+<file path=ppt/slides/slide24.xml><?xml version="1.0" encoding="utf-8"?>
+<p:sld xmlns:a="http://schemas.openxmlformats.org/drawingml/2006/main" xmlns:r="http://schemas.openxmlformats.org/officeDocument/2006/relationships" xmlns:p="http://schemas.openxmlformats.org/presentationml/2006/main">
+  <p:cSld>
+    <p:spTree>
+      <p:nvGrpSpPr>
+        <p:cNvPr id="1" name=""/>
+        <p:cNvGrpSpPr/>
+        <p:nvPr/>
+      </p:nvGrpSpPr>
+      <p:grpSpPr>
+        <a:xfrm>
+          <a:off x="0" y="0"/>
+          <a:ext cx="0" cy="0"/>
+          <a:chOff x="0" y="0"/>
+          <a:chExt cx="0" cy="0"/>
+        </a:xfrm>
+      </p:grpSpPr>
+      <p:sp>
+        <p:nvSpPr>
+          <p:cNvPr id="2" name="Title 1">
+            <a:extLst>
+              <a:ext uri="{FF2B5EF4-FFF2-40B4-BE49-F238E27FC236}">
+                <a16:creationId xmlns:a16="http://schemas.microsoft.com/office/drawing/2014/main" id="{AC5E5618-EF22-3203-D109-697E3838C6D3}"/>
+              </a:ext>
+            </a:extLst>
+          </p:cNvPr>
+          <p:cNvSpPr>
+            <a:spLocks noGrp="1"/>
+          </p:cNvSpPr>
+          <p:nvPr>
+            <p:ph type="title"/>
+          </p:nvPr>
+        </p:nvSpPr>
+        <p:spPr/>
+        <p:txBody>
+          <a:bodyPr/>
+          <a:lstStyle/>
+          <a:p>
+            <a:r>
+              <a:rPr lang="en-US" dirty="0"/>
+              <a:t>Theme 3: Confident Automation</a:t>
+            </a:r>
+          </a:p>
+        </p:txBody>
+      </p:sp>
+      <p:sp>
+        <p:nvSpPr>
+          <p:cNvPr id="3" name="Content Placeholder 2">
+            <a:extLst>
+              <a:ext uri="{FF2B5EF4-FFF2-40B4-BE49-F238E27FC236}">
+                <a16:creationId xmlns:a16="http://schemas.microsoft.com/office/drawing/2014/main" id="{79E17E5B-255F-E67E-BAB0-E661DF5A613C}"/>
+              </a:ext>
+            </a:extLst>
+          </p:cNvPr>
+          <p:cNvSpPr>
+            <a:spLocks noGrp="1"/>
+          </p:cNvSpPr>
+          <p:nvPr>
+            <p:ph idx="1"/>
+          </p:nvPr>
+        </p:nvSpPr>
+        <p:spPr/>
+        <p:txBody>
+          <a:bodyPr>
+            <a:normAutofit/>
+          </a:bodyPr>
+          <a:lstStyle/>
+          <a:p>
+            <a:pPr marL="0" indent="0">
+              <a:buNone/>
+            </a:pPr>
+            <a:r>
+              <a:rPr lang="en-US" i="1" dirty="0"/>
+              <a:t>Don’t do anything by hand.</a:t>
+            </a:r>
+          </a:p>
+          <a:p>
+            <a:pPr>
+              <a:buFontTx/>
+              <a:buChar char="-"/>
+            </a:pPr>
+            <a:r>
+              <a:rPr lang="en-US" dirty="0"/>
+              <a:t>Data cleaning</a:t>
+            </a:r>
+          </a:p>
+          <a:p>
+            <a:pPr>
+              <a:buFontTx/>
+              <a:buChar char="-"/>
+            </a:pPr>
+            <a:r>
+              <a:rPr lang="en-US" dirty="0"/>
+              <a:t>Moving files</a:t>
+            </a:r>
+          </a:p>
+          <a:p>
+            <a:pPr>
+              <a:buFontTx/>
+              <a:buChar char="-"/>
+            </a:pPr>
+            <a:r>
+              <a:rPr lang="en-US" dirty="0"/>
+              <a:t>Making maps</a:t>
+            </a:r>
+          </a:p>
+          <a:p>
+            <a:pPr marL="0" indent="0">
+              <a:buNone/>
+            </a:pPr>
+            <a:endParaRPr lang="en-US" sz="3200" dirty="0"/>
+          </a:p>
+          <a:p>
+            <a:pPr marL="0" indent="0">
+              <a:buNone/>
+            </a:pPr>
+            <a:r>
+              <a:rPr lang="en-US" i="1" dirty="0"/>
+              <a:t>Why?</a:t>
+            </a:r>
+            <a:endParaRPr lang="en-US" sz="3200" i="1" dirty="0"/>
+          </a:p>
+        </p:txBody>
+      </p:sp>
+    </p:spTree>
+    <p:extLst>
+      <p:ext uri="{BB962C8B-B14F-4D97-AF65-F5344CB8AC3E}">
+        <p14:creationId xmlns:p14="http://schemas.microsoft.com/office/powerpoint/2010/main" val="2481660292"/>
+      </p:ext>
+    </p:extLst>
+  </p:cSld>
+  <p:clrMapOvr>
+    <a:masterClrMapping/>
+  </p:clrMapOvr>
+</p:sld>
+</file>
+
+<file path=ppt/slides/slide25.xml><?xml version="1.0" encoding="utf-8"?>
+<p:sld xmlns:a="http://schemas.openxmlformats.org/drawingml/2006/main" xmlns:r="http://schemas.openxmlformats.org/officeDocument/2006/relationships" xmlns:p="http://schemas.openxmlformats.org/presentationml/2006/main">
+  <p:cSld>
+    <p:spTree>
+      <p:nvGrpSpPr>
+        <p:cNvPr id="1" name=""/>
+        <p:cNvGrpSpPr/>
+        <p:nvPr/>
+      </p:nvGrpSpPr>
+      <p:grpSpPr>
+        <a:xfrm>
+          <a:off x="0" y="0"/>
+          <a:ext cx="0" cy="0"/>
+          <a:chOff x="0" y="0"/>
+          <a:chExt cx="0" cy="0"/>
+        </a:xfrm>
+      </p:grpSpPr>
+      <p:sp>
+        <p:nvSpPr>
+          <p:cNvPr id="2" name="Title 1">
+            <a:extLst>
+              <a:ext uri="{FF2B5EF4-FFF2-40B4-BE49-F238E27FC236}">
                 <a16:creationId xmlns:a16="http://schemas.microsoft.com/office/drawing/2014/main" id="{80057B7B-22D9-6E6C-10B9-1CC9591F7EF0}"/>
               </a:ext>
             </a:extLst>
@@ -6231,7 +6696,128 @@
 </p:sld>
 </file>
 
-<file path=ppt/slides/slide23.xml><?xml version="1.0" encoding="utf-8"?>
+<file path=ppt/slides/slide26.xml><?xml version="1.0" encoding="utf-8"?>
+<p:sld xmlns:a="http://schemas.openxmlformats.org/drawingml/2006/main" xmlns:r="http://schemas.openxmlformats.org/officeDocument/2006/relationships" xmlns:p="http://schemas.openxmlformats.org/presentationml/2006/main">
+  <p:cSld>
+    <p:spTree>
+      <p:nvGrpSpPr>
+        <p:cNvPr id="1" name=""/>
+        <p:cNvGrpSpPr/>
+        <p:nvPr/>
+      </p:nvGrpSpPr>
+      <p:grpSpPr>
+        <a:xfrm>
+          <a:off x="0" y="0"/>
+          <a:ext cx="0" cy="0"/>
+          <a:chOff x="0" y="0"/>
+          <a:chExt cx="0" cy="0"/>
+        </a:xfrm>
+      </p:grpSpPr>
+      <p:sp>
+        <p:nvSpPr>
+          <p:cNvPr id="2" name="Title 1">
+            <a:extLst>
+              <a:ext uri="{FF2B5EF4-FFF2-40B4-BE49-F238E27FC236}">
+                <a16:creationId xmlns:a16="http://schemas.microsoft.com/office/drawing/2014/main" id="{28F01177-53DC-264D-9F57-1370F5765D73}"/>
+              </a:ext>
+            </a:extLst>
+          </p:cNvPr>
+          <p:cNvSpPr>
+            <a:spLocks noGrp="1"/>
+          </p:cNvSpPr>
+          <p:nvPr>
+            <p:ph type="title"/>
+          </p:nvPr>
+        </p:nvSpPr>
+        <p:spPr/>
+        <p:txBody>
+          <a:bodyPr/>
+          <a:lstStyle/>
+          <a:p>
+            <a:r>
+              <a:rPr lang="en-US" dirty="0"/>
+              <a:t>Example of testing</a:t>
+            </a:r>
+          </a:p>
+        </p:txBody>
+      </p:sp>
+      <p:sp>
+        <p:nvSpPr>
+          <p:cNvPr id="3" name="Content Placeholder 2">
+            <a:extLst>
+              <a:ext uri="{FF2B5EF4-FFF2-40B4-BE49-F238E27FC236}">
+                <a16:creationId xmlns:a16="http://schemas.microsoft.com/office/drawing/2014/main" id="{881808EF-C956-9EA4-E09F-E407A562ABD2}"/>
+              </a:ext>
+            </a:extLst>
+          </p:cNvPr>
+          <p:cNvSpPr>
+            <a:spLocks noGrp="1"/>
+          </p:cNvSpPr>
+          <p:nvPr>
+            <p:ph idx="1"/>
+          </p:nvPr>
+        </p:nvSpPr>
+        <p:spPr/>
+        <p:txBody>
+          <a:bodyPr/>
+          <a:lstStyle/>
+          <a:p>
+            <a:pPr marL="0" indent="0">
+              <a:buNone/>
+            </a:pPr>
+            <a:endParaRPr lang="en-US" dirty="0"/>
+          </a:p>
+          <a:p>
+            <a:pPr marL="0" indent="0">
+              <a:buNone/>
+            </a:pPr>
+            <a:endParaRPr lang="en-US" dirty="0"/>
+          </a:p>
+          <a:p>
+            <a:pPr marL="0" indent="0" algn="ctr">
+              <a:buNone/>
+            </a:pPr>
+            <a:r>
+              <a:rPr lang="en-US" dirty="0"/>
+              <a:t>Demo of </a:t>
+            </a:r>
+            <a:r>
+              <a:rPr lang="en-US" dirty="0" err="1">
+                <a:latin typeface="Consolas" panose="020B0609020204030204" pitchFamily="49" charset="0"/>
+              </a:rPr>
+              <a:t>testthat</a:t>
+            </a:r>
+            <a:endParaRPr lang="en-US" dirty="0">
+              <a:latin typeface="Consolas" panose="020B0609020204030204" pitchFamily="49" charset="0"/>
+            </a:endParaRPr>
+          </a:p>
+          <a:p>
+            <a:pPr marL="0" indent="0" algn="ctr">
+              <a:buNone/>
+            </a:pPr>
+            <a:r>
+              <a:rPr lang="en-US" dirty="0">
+                <a:latin typeface="+mj-lt"/>
+              </a:rPr>
+              <a:t>(if time)</a:t>
+            </a:r>
+          </a:p>
+        </p:txBody>
+      </p:sp>
+    </p:spTree>
+    <p:extLst>
+      <p:ext uri="{BB962C8B-B14F-4D97-AF65-F5344CB8AC3E}">
+        <p14:creationId xmlns:p14="http://schemas.microsoft.com/office/powerpoint/2010/main" val="4241760333"/>
+      </p:ext>
+    </p:extLst>
+  </p:cSld>
+  <p:clrMapOvr>
+    <a:masterClrMapping/>
+  </p:clrMapOvr>
+</p:sld>
+</file>
+
+<file path=ppt/slides/slide27.xml><?xml version="1.0" encoding="utf-8"?>
 <p:sld xmlns:a="http://schemas.openxmlformats.org/drawingml/2006/main" xmlns:r="http://schemas.openxmlformats.org/officeDocument/2006/relationships" xmlns:p="http://schemas.openxmlformats.org/presentationml/2006/main">
   <p:cSld>
     <p:spTree>
@@ -6384,7 +6970,7 @@
 </p:sld>
 </file>
 
-<file path=ppt/slides/slide24.xml><?xml version="1.0" encoding="utf-8"?>
+<file path=ppt/slides/slide28.xml><?xml version="1.0" encoding="utf-8"?>
 <p:sld xmlns:a="http://schemas.openxmlformats.org/drawingml/2006/main" xmlns:r="http://schemas.openxmlformats.org/officeDocument/2006/relationships" xmlns:p="http://schemas.openxmlformats.org/presentationml/2006/main">
   <p:cSld>
     <p:spTree>
@@ -6406,108 +6992,6 @@
           <p:cNvPr id="2" name="Title 1">
             <a:extLst>
               <a:ext uri="{FF2B5EF4-FFF2-40B4-BE49-F238E27FC236}">
-                <a16:creationId xmlns:a16="http://schemas.microsoft.com/office/drawing/2014/main" id="{28F01177-53DC-264D-9F57-1370F5765D73}"/>
-              </a:ext>
-            </a:extLst>
-          </p:cNvPr>
-          <p:cNvSpPr>
-            <a:spLocks noGrp="1"/>
-          </p:cNvSpPr>
-          <p:nvPr>
-            <p:ph type="title"/>
-          </p:nvPr>
-        </p:nvSpPr>
-        <p:spPr/>
-        <p:txBody>
-          <a:bodyPr/>
-          <a:lstStyle/>
-          <a:p>
-            <a:r>
-              <a:rPr lang="en-US" dirty="0"/>
-              <a:t>Example of project management</a:t>
-            </a:r>
-          </a:p>
-        </p:txBody>
-      </p:sp>
-      <p:sp>
-        <p:nvSpPr>
-          <p:cNvPr id="3" name="Content Placeholder 2">
-            <a:extLst>
-              <a:ext uri="{FF2B5EF4-FFF2-40B4-BE49-F238E27FC236}">
-                <a16:creationId xmlns:a16="http://schemas.microsoft.com/office/drawing/2014/main" id="{881808EF-C956-9EA4-E09F-E407A562ABD2}"/>
-              </a:ext>
-            </a:extLst>
-          </p:cNvPr>
-          <p:cNvSpPr>
-            <a:spLocks noGrp="1"/>
-          </p:cNvSpPr>
-          <p:nvPr>
-            <p:ph idx="1"/>
-          </p:nvPr>
-        </p:nvSpPr>
-        <p:spPr/>
-        <p:txBody>
-          <a:bodyPr/>
-          <a:lstStyle/>
-          <a:p>
-            <a:r>
-              <a:rPr lang="en-US" dirty="0"/>
-              <a:t>Let’s demo </a:t>
-            </a:r>
-            <a:r>
-              <a:rPr lang="en-US" dirty="0" err="1"/>
-              <a:t>usethis</a:t>
-            </a:r>
-            <a:r>
-              <a:rPr lang="en-US" dirty="0"/>
-              <a:t> and </a:t>
-            </a:r>
-            <a:r>
-              <a:rPr lang="en-US" dirty="0" err="1"/>
-              <a:t>testthat</a:t>
-            </a:r>
-            <a:r>
-              <a:rPr lang="en-US" dirty="0"/>
-              <a:t>.</a:t>
-            </a:r>
-          </a:p>
-        </p:txBody>
-      </p:sp>
-    </p:spTree>
-    <p:extLst>
-      <p:ext uri="{BB962C8B-B14F-4D97-AF65-F5344CB8AC3E}">
-        <p14:creationId xmlns:p14="http://schemas.microsoft.com/office/powerpoint/2010/main" val="1474313761"/>
-      </p:ext>
-    </p:extLst>
-  </p:cSld>
-  <p:clrMapOvr>
-    <a:masterClrMapping/>
-  </p:clrMapOvr>
-</p:sld>
-</file>
-
-<file path=ppt/slides/slide25.xml><?xml version="1.0" encoding="utf-8"?>
-<p:sld xmlns:a="http://schemas.openxmlformats.org/drawingml/2006/main" xmlns:r="http://schemas.openxmlformats.org/officeDocument/2006/relationships" xmlns:p="http://schemas.openxmlformats.org/presentationml/2006/main">
-  <p:cSld>
-    <p:spTree>
-      <p:nvGrpSpPr>
-        <p:cNvPr id="1" name=""/>
-        <p:cNvGrpSpPr/>
-        <p:nvPr/>
-      </p:nvGrpSpPr>
-      <p:grpSpPr>
-        <a:xfrm>
-          <a:off x="0" y="0"/>
-          <a:ext cx="0" cy="0"/>
-          <a:chOff x="0" y="0"/>
-          <a:chExt cx="0" cy="0"/>
-        </a:xfrm>
-      </p:grpSpPr>
-      <p:sp>
-        <p:nvSpPr>
-          <p:cNvPr id="2" name="Title 1">
-            <a:extLst>
-              <a:ext uri="{FF2B5EF4-FFF2-40B4-BE49-F238E27FC236}">
                 <a16:creationId xmlns:a16="http://schemas.microsoft.com/office/drawing/2014/main" id="{9F48611C-C620-07E7-7C9B-C5A8C637E078}"/>
               </a:ext>
             </a:extLst>
@@ -6607,7 +7091,7 @@
 </p:sld>
 </file>
 
-<file path=ppt/slides/slide26.xml><?xml version="1.0" encoding="utf-8"?>
+<file path=ppt/slides/slide29.xml><?xml version="1.0" encoding="utf-8"?>
 <p:sld xmlns:a="http://schemas.openxmlformats.org/drawingml/2006/main" xmlns:r="http://schemas.openxmlformats.org/officeDocument/2006/relationships" xmlns:p="http://schemas.openxmlformats.org/presentationml/2006/main">
   <p:cSld>
     <p:spTree>
@@ -7049,7 +7533,7 @@
           <a:p>
             <a:r>
               <a:rPr lang="en-US" dirty="0"/>
-              <a:t>Code is for humans.</a:t>
+              <a:t>Code is for computers. Good code is for humans.</a:t>
             </a:r>
           </a:p>
           <a:p>
@@ -7166,7 +7650,7 @@
           <p:nvPr/>
         </p:nvPicPr>
         <p:blipFill>
-          <a:blip r:embed="rId2">
+          <a:blip r:embed="rId2" cstate="print">
             <a:extLst>
               <a:ext uri="{28A0092B-C50C-407E-A947-70E740481C1C}">
                 <a14:useLocalDpi xmlns:a14="http://schemas.microsoft.com/office/drawing/2010/main" val="0"/>
@@ -7180,8 +7664,8 @@
         </p:blipFill>
         <p:spPr bwMode="auto">
           <a:xfrm>
-            <a:off x="5029200" y="1524000"/>
-            <a:ext cx="3124200" cy="4684674"/>
+            <a:off x="5638800" y="1206551"/>
+            <a:ext cx="2745710" cy="4117136"/>
           </a:xfrm>
           <a:prstGeom prst="rect">
             <a:avLst/>
@@ -7212,7 +7696,7 @@
           </p:cNvPicPr>
           <p:nvPr/>
         </p:nvPicPr>
-        <p:blipFill>
+        <p:blipFill rotWithShape="1">
           <a:blip r:embed="rId3">
             <a:extLst>
               <a:ext uri="{28A0092B-C50C-407E-A947-70E740481C1C}">
@@ -7220,15 +7704,13 @@
               </a:ext>
             </a:extLst>
           </a:blip>
-          <a:srcRect/>
-          <a:stretch>
-            <a:fillRect/>
-          </a:stretch>
+          <a:srcRect b="38190"/>
+          <a:stretch/>
         </p:blipFill>
         <p:spPr bwMode="auto">
           <a:xfrm>
-            <a:off x="762000" y="1524000"/>
-            <a:ext cx="3548712" cy="4684675"/>
+            <a:off x="914399" y="1206551"/>
+            <a:ext cx="3748567" cy="3058673"/>
           </a:xfrm>
           <a:prstGeom prst="rect">
             <a:avLst/>
@@ -7243,6 +7725,76 @@
               </a14:hiddenFill>
             </a:ext>
           </a:extLst>
+        </p:spPr>
+      </p:pic>
+      <p:pic>
+        <p:nvPicPr>
+          <p:cNvPr id="4" name="Picture 3">
+            <a:extLst>
+              <a:ext uri="{FF2B5EF4-FFF2-40B4-BE49-F238E27FC236}">
+                <a16:creationId xmlns:a16="http://schemas.microsoft.com/office/drawing/2014/main" id="{1BFB83EB-24B5-CE65-6ABF-1B165409D842}"/>
+              </a:ext>
+            </a:extLst>
+          </p:cNvPr>
+          <p:cNvPicPr>
+            <a:picLocks noChangeAspect="1"/>
+          </p:cNvPicPr>
+          <p:nvPr/>
+        </p:nvPicPr>
+        <p:blipFill>
+          <a:blip r:embed="rId4"/>
+          <a:stretch>
+            <a:fillRect/>
+          </a:stretch>
+        </p:blipFill>
+        <p:spPr>
+          <a:xfrm>
+            <a:off x="904114" y="4343400"/>
+            <a:ext cx="3748567" cy="2404741"/>
+          </a:xfrm>
+          <a:prstGeom prst="rect">
+            <a:avLst/>
+          </a:prstGeom>
+          <a:ln>
+            <a:solidFill>
+              <a:schemeClr val="tx1"/>
+            </a:solidFill>
+          </a:ln>
+        </p:spPr>
+      </p:pic>
+      <p:pic>
+        <p:nvPicPr>
+          <p:cNvPr id="7" name="Picture 6">
+            <a:extLst>
+              <a:ext uri="{FF2B5EF4-FFF2-40B4-BE49-F238E27FC236}">
+                <a16:creationId xmlns:a16="http://schemas.microsoft.com/office/drawing/2014/main" id="{16CBE764-C293-FB4D-5B03-ADD7C2516480}"/>
+              </a:ext>
+            </a:extLst>
+          </p:cNvPr>
+          <p:cNvPicPr>
+            <a:picLocks noChangeAspect="1"/>
+          </p:cNvPicPr>
+          <p:nvPr/>
+        </p:nvPicPr>
+        <p:blipFill>
+          <a:blip r:embed="rId5"/>
+          <a:stretch>
+            <a:fillRect/>
+          </a:stretch>
+        </p:blipFill>
+        <p:spPr>
+          <a:xfrm>
+            <a:off x="4876800" y="5504139"/>
+            <a:ext cx="3965286" cy="1107740"/>
+          </a:xfrm>
+          <a:prstGeom prst="rect">
+            <a:avLst/>
+          </a:prstGeom>
+          <a:ln>
+            <a:solidFill>
+              <a:schemeClr val="tx1"/>
+            </a:solidFill>
+          </a:ln>
         </p:spPr>
       </p:pic>
     </p:spTree>
@@ -7298,7 +7850,15 @@
           <a:p>
             <a:r>
               <a:rPr lang="en-US" dirty="0"/>
-              <a:t>Today: Three Topics</a:t>
+              <a:t>Today: </a:t>
+            </a:r>
+            <a:r>
+              <a:rPr lang="en-US" strike="sngStrike" dirty="0"/>
+              <a:t>Four</a:t>
+            </a:r>
+            <a:r>
+              <a:rPr lang="en-US" dirty="0"/>
+              <a:t> Three Topics</a:t>
             </a:r>
           </a:p>
         </p:txBody>
@@ -7321,7 +7881,9 @@
         </p:nvSpPr>
         <p:spPr/>
         <p:txBody>
-          <a:bodyPr/>
+          <a:bodyPr>
+            <a:normAutofit fontScale="92500" lnSpcReduction="10000"/>
+          </a:bodyPr>
           <a:lstStyle/>
           <a:p>
             <a:r>
@@ -7339,6 +7901,12 @@
             <a:r>
               <a:rPr lang="en-US" dirty="0"/>
               <a:t>Confident Automation</a:t>
+            </a:r>
+          </a:p>
+          <a:p>
+            <a:r>
+              <a:rPr lang="en-US" strike="sngStrike" dirty="0"/>
+              <a:t>git &amp; version control</a:t>
             </a:r>
           </a:p>
           <a:p>
